--- a/doc/02_SlideShare/01.ネタ/２_Reactの基礎/2-4_React開発環境構築手順.pptx
+++ b/doc/02_SlideShare/01.ネタ/２_Reactの基礎/2-4_React開発環境構築手順.pptx
@@ -5,7 +5,7 @@
     <p:sldMasterId id="2147483648" r:id="rId1"/>
   </p:sldMasterIdLst>
   <p:notesMasterIdLst>
-    <p:notesMasterId r:id="rId14"/>
+    <p:notesMasterId r:id="rId8"/>
   </p:notesMasterIdLst>
   <p:sldIdLst>
     <p:sldId id="260" r:id="rId2"/>
@@ -13,13 +13,7 @@
     <p:sldId id="262" r:id="rId4"/>
     <p:sldId id="263" r:id="rId5"/>
     <p:sldId id="264" r:id="rId6"/>
-    <p:sldId id="265" r:id="rId7"/>
-    <p:sldId id="266" r:id="rId8"/>
-    <p:sldId id="267" r:id="rId9"/>
-    <p:sldId id="268" r:id="rId10"/>
-    <p:sldId id="269" r:id="rId11"/>
-    <p:sldId id="270" r:id="rId12"/>
-    <p:sldId id="271" r:id="rId13"/>
+    <p:sldId id="271" r:id="rId7"/>
   </p:sldIdLst>
   <p:sldSz cx="12192000" cy="6858000"/>
   <p:notesSz cx="6858000" cy="9144000"/>
@@ -234,7 +228,7 @@
             <a:fld id="{CF62E18D-AE12-454F-A1D6-19B685DC3579}" type="datetimeFigureOut">
               <a:rPr kumimoji="1" lang="ja-JP" altLang="en-US" smtClean="0"/>
               <a:pPr/>
-              <a:t>2019/1/16</a:t>
+              <a:t>2019/2/1</a:t>
             </a:fld>
             <a:endParaRPr kumimoji="1" lang="ja-JP" altLang="en-US"/>
           </a:p>
@@ -625,7 +619,7 @@
             <a:fld id="{2FA7D4A1-D6E2-4B97-8DF5-43A2A6E9364B}" type="datetimeFigureOut">
               <a:rPr kumimoji="1" lang="ja-JP" altLang="en-US" smtClean="0"/>
               <a:pPr/>
-              <a:t>2019/1/16</a:t>
+              <a:t>2019/2/1</a:t>
             </a:fld>
             <a:endParaRPr kumimoji="1" lang="ja-JP" altLang="en-US"/>
           </a:p>
@@ -1095,7 +1089,7 @@
             <a:fld id="{2FA7D4A1-D6E2-4B97-8DF5-43A2A6E9364B}" type="datetimeFigureOut">
               <a:rPr kumimoji="1" lang="ja-JP" altLang="en-US" smtClean="0"/>
               <a:pPr/>
-              <a:t>2019/1/16</a:t>
+              <a:t>2019/2/1</a:t>
             </a:fld>
             <a:endParaRPr kumimoji="1" lang="ja-JP" altLang="en-US"/>
           </a:p>
@@ -1526,7 +1520,7 @@
             <a:fld id="{2FA7D4A1-D6E2-4B97-8DF5-43A2A6E9364B}" type="datetimeFigureOut">
               <a:rPr kumimoji="1" lang="ja-JP" altLang="en-US" smtClean="0"/>
               <a:pPr/>
-              <a:t>2019/1/16</a:t>
+              <a:t>2019/2/1</a:t>
             </a:fld>
             <a:endParaRPr kumimoji="1" lang="ja-JP" altLang="en-US"/>
           </a:p>
@@ -1645,7 +1639,7 @@
             <a:fld id="{2FA7D4A1-D6E2-4B97-8DF5-43A2A6E9364B}" type="datetimeFigureOut">
               <a:rPr kumimoji="1" lang="ja-JP" altLang="en-US" smtClean="0"/>
               <a:pPr/>
-              <a:t>2019/1/16</a:t>
+              <a:t>2019/2/1</a:t>
             </a:fld>
             <a:endParaRPr kumimoji="1" lang="ja-JP" altLang="en-US"/>
           </a:p>
@@ -1870,7 +1864,7 @@
             <a:fld id="{2FA7D4A1-D6E2-4B97-8DF5-43A2A6E9364B}" type="datetimeFigureOut">
               <a:rPr kumimoji="1" lang="ja-JP" altLang="en-US" smtClean="0"/>
               <a:pPr/>
-              <a:t>2019/1/16</a:t>
+              <a:t>2019/2/1</a:t>
             </a:fld>
             <a:endParaRPr kumimoji="1" lang="ja-JP" altLang="en-US"/>
           </a:p>
@@ -2100,7 +2094,7 @@
                 </a:solidFill>
               </a:rPr>
               <a:pPr/>
-              <a:t>1/16/2019</a:t>
+              <a:t>2/1/2019</a:t>
             </a:fld>
             <a:endParaRPr lang="en-US" dirty="0">
               <a:solidFill>
@@ -2394,7 +2388,7 @@
             <a:fld id="{2FA7D4A1-D6E2-4B97-8DF5-43A2A6E9364B}" type="datetimeFigureOut">
               <a:rPr kumimoji="1" lang="ja-JP" altLang="en-US" smtClean="0"/>
               <a:pPr/>
-              <a:t>2019/1/16</a:t>
+              <a:t>2019/2/1</a:t>
             </a:fld>
             <a:endParaRPr kumimoji="1" lang="ja-JP" altLang="en-US"/>
           </a:p>
@@ -2860,7 +2854,7 @@
           <p:cNvPr id="2" name="タイトル 1">
             <a:extLst>
               <a:ext uri="{FF2B5EF4-FFF2-40B4-BE49-F238E27FC236}">
-                <a16:creationId xmlns:a16="http://schemas.microsoft.com/office/drawing/2014/main" xmlns="" id="{CE9C4723-849E-4189-BCAE-2B79E708A85A}"/>
+                <a16:creationId xmlns="" xmlns:a16="http://schemas.microsoft.com/office/drawing/2014/main" id="{CE9C4723-849E-4189-BCAE-2B79E708A85A}"/>
               </a:ext>
             </a:extLst>
           </p:cNvPr>
@@ -2901,7 +2895,7 @@
           <p:cNvPr id="4" name="コンテンツ プレースホルダー 3">
             <a:extLst>
               <a:ext uri="{FF2B5EF4-FFF2-40B4-BE49-F238E27FC236}">
-                <a16:creationId xmlns:a16="http://schemas.microsoft.com/office/drawing/2014/main" xmlns="" id="{5D7B870A-EE38-4390-92D0-2B9EE583F7F4}"/>
+                <a16:creationId xmlns="" xmlns:a16="http://schemas.microsoft.com/office/drawing/2014/main" id="{5D7B870A-EE38-4390-92D0-2B9EE583F7F4}"/>
               </a:ext>
             </a:extLst>
           </p:cNvPr>
@@ -2987,7 +2981,7 @@
           <p:cNvPr id="5" name="コンテンツ プレースホルダー 3">
             <a:extLst>
               <a:ext uri="{FF2B5EF4-FFF2-40B4-BE49-F238E27FC236}">
-                <a16:creationId xmlns:a16="http://schemas.microsoft.com/office/drawing/2014/main" xmlns="" id="{5D7B870A-EE38-4390-92D0-2B9EE583F7F4}"/>
+                <a16:creationId xmlns="" xmlns:a16="http://schemas.microsoft.com/office/drawing/2014/main" id="{5D7B870A-EE38-4390-92D0-2B9EE583F7F4}"/>
               </a:ext>
             </a:extLst>
           </p:cNvPr>
@@ -3235,2450 +3229,6 @@
     <p:extLst>
       <p:ext uri="{BB962C8B-B14F-4D97-AF65-F5344CB8AC3E}">
         <p14:creationId xmlns:p14="http://schemas.microsoft.com/office/powerpoint/2010/main" val="2515407400"/>
-      </p:ext>
-    </p:extLst>
-  </p:cSld>
-  <p:clrMapOvr>
-    <a:masterClrMapping/>
-  </p:clrMapOvr>
-  <p:timing>
-    <p:tnLst>
-      <p:par>
-        <p:cTn id="1" dur="indefinite" restart="never" nodeType="tmRoot"/>
-      </p:par>
-    </p:tnLst>
-  </p:timing>
-</p:sld>
-</file>
-
-<file path=ppt/slides/slide10.xml><?xml version="1.0" encoding="utf-8"?>
-<p:sld xmlns:a="http://schemas.openxmlformats.org/drawingml/2006/main" xmlns:r="http://schemas.openxmlformats.org/officeDocument/2006/relationships" xmlns:p="http://schemas.openxmlformats.org/presentationml/2006/main">
-  <p:cSld>
-    <p:spTree>
-      <p:nvGrpSpPr>
-        <p:cNvPr id="1" name=""/>
-        <p:cNvGrpSpPr/>
-        <p:nvPr/>
-      </p:nvGrpSpPr>
-      <p:grpSpPr>
-        <a:xfrm>
-          <a:off x="0" y="0"/>
-          <a:ext cx="0" cy="0"/>
-          <a:chOff x="0" y="0"/>
-          <a:chExt cx="0" cy="0"/>
-        </a:xfrm>
-      </p:grpSpPr>
-      <p:sp>
-        <p:nvSpPr>
-          <p:cNvPr id="7" name="コンテンツ プレースホルダー 3"/>
-          <p:cNvSpPr txBox="1">
-            <a:spLocks/>
-          </p:cNvSpPr>
-          <p:nvPr/>
-        </p:nvSpPr>
-        <p:spPr>
-          <a:xfrm>
-            <a:off x="555219" y="1200150"/>
-            <a:ext cx="11164927" cy="871416"/>
-          </a:xfrm>
-          <a:prstGeom prst="rect">
-            <a:avLst/>
-          </a:prstGeom>
-          <a:solidFill>
-            <a:schemeClr val="accent1">
-              <a:lumMod val="20000"/>
-              <a:lumOff val="80000"/>
-            </a:schemeClr>
-          </a:solidFill>
-          <a:ln>
-            <a:solidFill>
-              <a:schemeClr val="accent1"/>
-            </a:solidFill>
-          </a:ln>
-        </p:spPr>
-        <p:txBody>
-          <a:bodyPr anchor="ctr"/>
-          <a:lstStyle>
-            <a:lvl1pPr marL="228600" indent="-228600" algn="l" defTabSz="914400" rtl="0" eaLnBrk="1" latinLnBrk="0" hangingPunct="1">
-              <a:lnSpc>
-                <a:spcPct val="90000"/>
-              </a:lnSpc>
-              <a:spcBef>
-                <a:spcPts val="1000"/>
-              </a:spcBef>
-              <a:buFont typeface="Arial" panose="020B0604020202020204" pitchFamily="34" charset="0"/>
-              <a:buChar char="•"/>
-              <a:defRPr kumimoji="1" sz="2000" kern="1200">
-                <a:solidFill>
-                  <a:schemeClr val="tx1"/>
-                </a:solidFill>
-                <a:latin typeface="Meiryo UI" panose="020B0604030504040204" pitchFamily="50" charset="-128"/>
-                <a:ea typeface="Meiryo UI" panose="020B0604030504040204" pitchFamily="50" charset="-128"/>
-                <a:cs typeface="+mn-cs"/>
-              </a:defRPr>
-            </a:lvl1pPr>
-            <a:lvl2pPr marL="685800" indent="-228600" algn="l" defTabSz="914400" rtl="0" eaLnBrk="1" latinLnBrk="0" hangingPunct="1">
-              <a:lnSpc>
-                <a:spcPct val="90000"/>
-              </a:lnSpc>
-              <a:spcBef>
-                <a:spcPts val="500"/>
-              </a:spcBef>
-              <a:buFont typeface="Arial" panose="020B0604020202020204" pitchFamily="34" charset="0"/>
-              <a:buChar char="•"/>
-              <a:defRPr kumimoji="1" sz="1800" kern="1200">
-                <a:solidFill>
-                  <a:schemeClr val="tx1"/>
-                </a:solidFill>
-                <a:latin typeface="Meiryo UI" panose="020B0604030504040204" pitchFamily="50" charset="-128"/>
-                <a:ea typeface="Meiryo UI" panose="020B0604030504040204" pitchFamily="50" charset="-128"/>
-                <a:cs typeface="+mn-cs"/>
-              </a:defRPr>
-            </a:lvl2pPr>
-            <a:lvl3pPr marL="1143000" indent="-228600" algn="l" defTabSz="914400" rtl="0" eaLnBrk="1" latinLnBrk="0" hangingPunct="1">
-              <a:lnSpc>
-                <a:spcPct val="90000"/>
-              </a:lnSpc>
-              <a:spcBef>
-                <a:spcPts val="500"/>
-              </a:spcBef>
-              <a:buFont typeface="Arial" panose="020B0604020202020204" pitchFamily="34" charset="0"/>
-              <a:buChar char="•"/>
-              <a:defRPr kumimoji="1" sz="1600" kern="1200">
-                <a:solidFill>
-                  <a:schemeClr val="tx1"/>
-                </a:solidFill>
-                <a:latin typeface="Meiryo UI" panose="020B0604030504040204" pitchFamily="50" charset="-128"/>
-                <a:ea typeface="Meiryo UI" panose="020B0604030504040204" pitchFamily="50" charset="-128"/>
-                <a:cs typeface="+mn-cs"/>
-              </a:defRPr>
-            </a:lvl3pPr>
-            <a:lvl4pPr marL="1600200" indent="-228600" algn="l" defTabSz="914400" rtl="0" eaLnBrk="1" latinLnBrk="0" hangingPunct="1">
-              <a:lnSpc>
-                <a:spcPct val="90000"/>
-              </a:lnSpc>
-              <a:spcBef>
-                <a:spcPts val="500"/>
-              </a:spcBef>
-              <a:buFont typeface="Arial" panose="020B0604020202020204" pitchFamily="34" charset="0"/>
-              <a:buChar char="•"/>
-              <a:defRPr kumimoji="1" sz="1400" kern="1200">
-                <a:solidFill>
-                  <a:schemeClr val="tx1"/>
-                </a:solidFill>
-                <a:latin typeface="Meiryo UI" panose="020B0604030504040204" pitchFamily="50" charset="-128"/>
-                <a:ea typeface="Meiryo UI" panose="020B0604030504040204" pitchFamily="50" charset="-128"/>
-                <a:cs typeface="+mn-cs"/>
-              </a:defRPr>
-            </a:lvl4pPr>
-            <a:lvl5pPr marL="2057400" indent="-228600" algn="l" defTabSz="914400" rtl="0" eaLnBrk="1" latinLnBrk="0" hangingPunct="1">
-              <a:lnSpc>
-                <a:spcPct val="90000"/>
-              </a:lnSpc>
-              <a:spcBef>
-                <a:spcPts val="500"/>
-              </a:spcBef>
-              <a:buFont typeface="Arial" panose="020B0604020202020204" pitchFamily="34" charset="0"/>
-              <a:buChar char="•"/>
-              <a:defRPr kumimoji="1" sz="1200" kern="1200">
-                <a:solidFill>
-                  <a:schemeClr val="tx1"/>
-                </a:solidFill>
-                <a:latin typeface="Meiryo UI" panose="020B0604030504040204" pitchFamily="50" charset="-128"/>
-                <a:ea typeface="Meiryo UI" panose="020B0604030504040204" pitchFamily="50" charset="-128"/>
-                <a:cs typeface="+mn-cs"/>
-              </a:defRPr>
-            </a:lvl5pPr>
-            <a:lvl6pPr marL="2514600" indent="-228600" algn="l" defTabSz="914400" rtl="0" eaLnBrk="1" latinLnBrk="0" hangingPunct="1">
-              <a:lnSpc>
-                <a:spcPct val="90000"/>
-              </a:lnSpc>
-              <a:spcBef>
-                <a:spcPts val="500"/>
-              </a:spcBef>
-              <a:buFont typeface="Arial" panose="020B0604020202020204" pitchFamily="34" charset="0"/>
-              <a:buChar char="•"/>
-              <a:defRPr kumimoji="1" sz="1800" kern="1200">
-                <a:solidFill>
-                  <a:schemeClr val="tx1"/>
-                </a:solidFill>
-                <a:latin typeface="+mn-lt"/>
-                <a:ea typeface="+mn-ea"/>
-                <a:cs typeface="+mn-cs"/>
-              </a:defRPr>
-            </a:lvl6pPr>
-            <a:lvl7pPr marL="2971800" indent="-228600" algn="l" defTabSz="914400" rtl="0" eaLnBrk="1" latinLnBrk="0" hangingPunct="1">
-              <a:lnSpc>
-                <a:spcPct val="90000"/>
-              </a:lnSpc>
-              <a:spcBef>
-                <a:spcPts val="500"/>
-              </a:spcBef>
-              <a:buFont typeface="Arial" panose="020B0604020202020204" pitchFamily="34" charset="0"/>
-              <a:buChar char="•"/>
-              <a:defRPr kumimoji="1" sz="1800" kern="1200">
-                <a:solidFill>
-                  <a:schemeClr val="tx1"/>
-                </a:solidFill>
-                <a:latin typeface="+mn-lt"/>
-                <a:ea typeface="+mn-ea"/>
-                <a:cs typeface="+mn-cs"/>
-              </a:defRPr>
-            </a:lvl7pPr>
-            <a:lvl8pPr marL="3429000" indent="-228600" algn="l" defTabSz="914400" rtl="0" eaLnBrk="1" latinLnBrk="0" hangingPunct="1">
-              <a:lnSpc>
-                <a:spcPct val="90000"/>
-              </a:lnSpc>
-              <a:spcBef>
-                <a:spcPts val="500"/>
-              </a:spcBef>
-              <a:buFont typeface="Arial" panose="020B0604020202020204" pitchFamily="34" charset="0"/>
-              <a:buChar char="•"/>
-              <a:defRPr kumimoji="1" sz="1800" kern="1200">
-                <a:solidFill>
-                  <a:schemeClr val="tx1"/>
-                </a:solidFill>
-                <a:latin typeface="+mn-lt"/>
-                <a:ea typeface="+mn-ea"/>
-                <a:cs typeface="+mn-cs"/>
-              </a:defRPr>
-            </a:lvl8pPr>
-            <a:lvl9pPr marL="3886200" indent="-228600" algn="l" defTabSz="914400" rtl="0" eaLnBrk="1" latinLnBrk="0" hangingPunct="1">
-              <a:lnSpc>
-                <a:spcPct val="90000"/>
-              </a:lnSpc>
-              <a:spcBef>
-                <a:spcPts val="500"/>
-              </a:spcBef>
-              <a:buFont typeface="Arial" panose="020B0604020202020204" pitchFamily="34" charset="0"/>
-              <a:buChar char="•"/>
-              <a:defRPr kumimoji="1" sz="1800" kern="1200">
-                <a:solidFill>
-                  <a:schemeClr val="tx1"/>
-                </a:solidFill>
-                <a:latin typeface="+mn-lt"/>
-                <a:ea typeface="+mn-ea"/>
-                <a:cs typeface="+mn-cs"/>
-              </a:defRPr>
-            </a:lvl9pPr>
-          </a:lstStyle>
-          <a:p>
-            <a:pPr marL="0" indent="0">
-              <a:buNone/>
-            </a:pPr>
-            <a:r>
-              <a:rPr lang="ja-JP" altLang="en-US" dirty="0"/>
-              <a:t>以下</a:t>
-            </a:r>
-            <a:r>
-              <a:rPr lang="ja-JP" altLang="en-US" dirty="0" smtClean="0"/>
-              <a:t>のファイルに記載を変更。</a:t>
-            </a:r>
-            <a:endParaRPr lang="en-US" altLang="ja-JP" dirty="0" smtClean="0"/>
-          </a:p>
-        </p:txBody>
-      </p:sp>
-      <p:sp>
-        <p:nvSpPr>
-          <p:cNvPr id="16" name="正方形/長方形 15"/>
-          <p:cNvSpPr/>
-          <p:nvPr/>
-        </p:nvSpPr>
-        <p:spPr>
-          <a:xfrm>
-            <a:off x="555218" y="2285031"/>
-            <a:ext cx="6806477" cy="9462684"/>
-          </a:xfrm>
-          <a:prstGeom prst="rect">
-            <a:avLst/>
-          </a:prstGeom>
-          <a:solidFill>
-            <a:schemeClr val="tx2">
-              <a:lumMod val="75000"/>
-            </a:schemeClr>
-          </a:solidFill>
-          <a:ln>
-            <a:solidFill>
-              <a:schemeClr val="bg2">
-                <a:lumMod val="25000"/>
-              </a:schemeClr>
-            </a:solidFill>
-          </a:ln>
-        </p:spPr>
-        <p:style>
-          <a:lnRef idx="2">
-            <a:schemeClr val="accent1">
-              <a:shade val="50000"/>
-            </a:schemeClr>
-          </a:lnRef>
-          <a:fillRef idx="1">
-            <a:schemeClr val="accent1"/>
-          </a:fillRef>
-          <a:effectRef idx="0">
-            <a:schemeClr val="accent1"/>
-          </a:effectRef>
-          <a:fontRef idx="minor">
-            <a:schemeClr val="lt1"/>
-          </a:fontRef>
-        </p:style>
-        <p:txBody>
-          <a:bodyPr rtlCol="0" anchor="t"/>
-          <a:lstStyle/>
-          <a:p>
-            <a:pPr>
-              <a:buClr>
-                <a:schemeClr val="bg1"/>
-              </a:buClr>
-            </a:pPr>
-            <a:r>
-              <a:rPr lang="en-US" altLang="ja-JP" sz="1200" dirty="0" smtClean="0"/>
-              <a:t>tutorial/public/index.html</a:t>
-            </a:r>
-          </a:p>
-          <a:p>
-            <a:pPr>
-              <a:buClr>
-                <a:schemeClr val="bg1"/>
-              </a:buClr>
-            </a:pPr>
-            <a:endParaRPr lang="en-US" altLang="ja-JP" sz="1200" dirty="0">
-              <a:solidFill>
-                <a:schemeClr val="bg1"/>
-              </a:solidFill>
-            </a:endParaRPr>
-          </a:p>
-          <a:p>
-            <a:pPr>
-              <a:buClr>
-                <a:schemeClr val="bg1"/>
-              </a:buClr>
-            </a:pPr>
-            <a:r>
-              <a:rPr lang="en-US" altLang="ja-JP" sz="1200" dirty="0">
-                <a:solidFill>
-                  <a:schemeClr val="bg1"/>
-                </a:solidFill>
-              </a:rPr>
-              <a:t>&lt;!DOCTYPE html&gt;</a:t>
-            </a:r>
-          </a:p>
-          <a:p>
-            <a:pPr>
-              <a:buClr>
-                <a:schemeClr val="bg1"/>
-              </a:buClr>
-            </a:pPr>
-            <a:r>
-              <a:rPr lang="en-US" altLang="ja-JP" sz="1200" dirty="0">
-                <a:solidFill>
-                  <a:schemeClr val="bg1"/>
-                </a:solidFill>
-              </a:rPr>
-              <a:t>&lt;html </a:t>
-            </a:r>
-            <a:r>
-              <a:rPr lang="en-US" altLang="ja-JP" sz="1200" dirty="0" err="1">
-                <a:solidFill>
-                  <a:schemeClr val="bg1"/>
-                </a:solidFill>
-              </a:rPr>
-              <a:t>lang</a:t>
-            </a:r>
-            <a:r>
-              <a:rPr lang="en-US" altLang="ja-JP" sz="1200" dirty="0">
-                <a:solidFill>
-                  <a:schemeClr val="bg1"/>
-                </a:solidFill>
-              </a:rPr>
-              <a:t>="</a:t>
-            </a:r>
-            <a:r>
-              <a:rPr lang="en-US" altLang="ja-JP" sz="1200" dirty="0" err="1">
-                <a:solidFill>
-                  <a:schemeClr val="bg1"/>
-                </a:solidFill>
-              </a:rPr>
-              <a:t>en</a:t>
-            </a:r>
-            <a:r>
-              <a:rPr lang="en-US" altLang="ja-JP" sz="1200" dirty="0">
-                <a:solidFill>
-                  <a:schemeClr val="bg1"/>
-                </a:solidFill>
-              </a:rPr>
-              <a:t>"&gt;</a:t>
-            </a:r>
-          </a:p>
-          <a:p>
-            <a:pPr>
-              <a:buClr>
-                <a:schemeClr val="bg1"/>
-              </a:buClr>
-            </a:pPr>
-            <a:r>
-              <a:rPr lang="en-US" altLang="ja-JP" sz="1200" dirty="0">
-                <a:solidFill>
-                  <a:schemeClr val="bg1"/>
-                </a:solidFill>
-              </a:rPr>
-              <a:t>  &lt;head&gt;</a:t>
-            </a:r>
-          </a:p>
-          <a:p>
-            <a:pPr>
-              <a:buClr>
-                <a:schemeClr val="bg1"/>
-              </a:buClr>
-            </a:pPr>
-            <a:r>
-              <a:rPr lang="en-US" altLang="ja-JP" sz="1200" dirty="0">
-                <a:solidFill>
-                  <a:schemeClr val="bg1"/>
-                </a:solidFill>
-              </a:rPr>
-              <a:t>    &lt;meta charset="utf-8"&gt;</a:t>
-            </a:r>
-          </a:p>
-          <a:p>
-            <a:pPr>
-              <a:buClr>
-                <a:schemeClr val="bg1"/>
-              </a:buClr>
-            </a:pPr>
-            <a:r>
-              <a:rPr lang="en-US" altLang="ja-JP" sz="1200" dirty="0">
-                <a:solidFill>
-                  <a:schemeClr val="bg1"/>
-                </a:solidFill>
-              </a:rPr>
-              <a:t>    &lt;meta name="viewport" content="width=device-width, initial-scale=1, shrink-to-fit=no"&gt;</a:t>
-            </a:r>
-          </a:p>
-          <a:p>
-            <a:pPr>
-              <a:buClr>
-                <a:schemeClr val="bg1"/>
-              </a:buClr>
-            </a:pPr>
-            <a:r>
-              <a:rPr lang="en-US" altLang="ja-JP" sz="1200" dirty="0">
-                <a:solidFill>
-                  <a:schemeClr val="bg1"/>
-                </a:solidFill>
-              </a:rPr>
-              <a:t>    &lt;meta name="theme-color" content="#000000"&gt;</a:t>
-            </a:r>
-          </a:p>
-          <a:p>
-            <a:pPr>
-              <a:buClr>
-                <a:schemeClr val="bg1"/>
-              </a:buClr>
-            </a:pPr>
-            <a:r>
-              <a:rPr lang="en-US" altLang="ja-JP" sz="1200" dirty="0">
-                <a:solidFill>
-                  <a:schemeClr val="bg1"/>
-                </a:solidFill>
-              </a:rPr>
-              <a:t>    &lt;meta http-</a:t>
-            </a:r>
-            <a:r>
-              <a:rPr lang="en-US" altLang="ja-JP" sz="1200" dirty="0" err="1">
-                <a:solidFill>
-                  <a:schemeClr val="bg1"/>
-                </a:solidFill>
-              </a:rPr>
-              <a:t>equiv</a:t>
-            </a:r>
-            <a:r>
-              <a:rPr lang="en-US" altLang="ja-JP" sz="1200" dirty="0">
-                <a:solidFill>
-                  <a:schemeClr val="bg1"/>
-                </a:solidFill>
-              </a:rPr>
-              <a:t>="Content-Security-Policy" content="default-</a:t>
-            </a:r>
-            <a:r>
-              <a:rPr lang="en-US" altLang="ja-JP" sz="1200" dirty="0" err="1">
-                <a:solidFill>
-                  <a:schemeClr val="bg1"/>
-                </a:solidFill>
-              </a:rPr>
-              <a:t>src</a:t>
-            </a:r>
-            <a:r>
-              <a:rPr lang="en-US" altLang="ja-JP" sz="1200" dirty="0">
-                <a:solidFill>
-                  <a:schemeClr val="bg1"/>
-                </a:solidFill>
-              </a:rPr>
-              <a:t> 'self' data: gap: https://ssl.gstatic.com 'unsafe-</a:t>
-            </a:r>
-            <a:r>
-              <a:rPr lang="en-US" altLang="ja-JP" sz="1200" dirty="0" err="1">
-                <a:solidFill>
-                  <a:schemeClr val="bg1"/>
-                </a:solidFill>
-              </a:rPr>
-              <a:t>eval</a:t>
-            </a:r>
-            <a:r>
-              <a:rPr lang="en-US" altLang="ja-JP" sz="1200" dirty="0">
-                <a:solidFill>
-                  <a:schemeClr val="bg1"/>
-                </a:solidFill>
-              </a:rPr>
-              <a:t>'; style-</a:t>
-            </a:r>
-            <a:r>
-              <a:rPr lang="en-US" altLang="ja-JP" sz="1200" dirty="0" err="1">
-                <a:solidFill>
-                  <a:schemeClr val="bg1"/>
-                </a:solidFill>
-              </a:rPr>
-              <a:t>src</a:t>
-            </a:r>
-            <a:r>
-              <a:rPr lang="en-US" altLang="ja-JP" sz="1200" dirty="0">
-                <a:solidFill>
-                  <a:schemeClr val="bg1"/>
-                </a:solidFill>
-              </a:rPr>
-              <a:t> 'self' 'unsafe-inline'; media-</a:t>
-            </a:r>
-            <a:r>
-              <a:rPr lang="en-US" altLang="ja-JP" sz="1200" dirty="0" err="1">
-                <a:solidFill>
-                  <a:schemeClr val="bg1"/>
-                </a:solidFill>
-              </a:rPr>
-              <a:t>src</a:t>
-            </a:r>
-            <a:r>
-              <a:rPr lang="en-US" altLang="ja-JP" sz="1200" dirty="0">
-                <a:solidFill>
-                  <a:schemeClr val="bg1"/>
-                </a:solidFill>
-              </a:rPr>
-              <a:t> *; </a:t>
-            </a:r>
-            <a:r>
-              <a:rPr lang="en-US" altLang="ja-JP" sz="1200" dirty="0" err="1">
-                <a:solidFill>
-                  <a:schemeClr val="bg1"/>
-                </a:solidFill>
-              </a:rPr>
-              <a:t>img-src</a:t>
-            </a:r>
-            <a:r>
-              <a:rPr lang="en-US" altLang="ja-JP" sz="1200" dirty="0">
-                <a:solidFill>
-                  <a:schemeClr val="bg1"/>
-                </a:solidFill>
-              </a:rPr>
-              <a:t> 'self' data: content:;"&gt;</a:t>
-            </a:r>
-          </a:p>
-          <a:p>
-            <a:pPr>
-              <a:buClr>
-                <a:schemeClr val="bg1"/>
-              </a:buClr>
-            </a:pPr>
-            <a:r>
-              <a:rPr lang="en-US" altLang="ja-JP" sz="1200" dirty="0">
-                <a:solidFill>
-                  <a:schemeClr val="bg1"/>
-                </a:solidFill>
-              </a:rPr>
-              <a:t>    &lt;meta name="format-detection" content="telephone=no"&gt;</a:t>
-            </a:r>
-          </a:p>
-          <a:p>
-            <a:pPr>
-              <a:buClr>
-                <a:schemeClr val="bg1"/>
-              </a:buClr>
-            </a:pPr>
-            <a:r>
-              <a:rPr lang="en-US" altLang="ja-JP" sz="1200" dirty="0">
-                <a:solidFill>
-                  <a:schemeClr val="bg1"/>
-                </a:solidFill>
-              </a:rPr>
-              <a:t>    &lt;meta name="</a:t>
-            </a:r>
-            <a:r>
-              <a:rPr lang="en-US" altLang="ja-JP" sz="1200" dirty="0" err="1">
-                <a:solidFill>
-                  <a:schemeClr val="bg1"/>
-                </a:solidFill>
-              </a:rPr>
-              <a:t>msapplication</a:t>
-            </a:r>
-            <a:r>
-              <a:rPr lang="en-US" altLang="ja-JP" sz="1200" dirty="0">
-                <a:solidFill>
-                  <a:schemeClr val="bg1"/>
-                </a:solidFill>
-              </a:rPr>
-              <a:t>-tap-highlight" content="no"&gt;</a:t>
-            </a:r>
-          </a:p>
-          <a:p>
-            <a:pPr>
-              <a:buClr>
-                <a:schemeClr val="bg1"/>
-              </a:buClr>
-            </a:pPr>
-            <a:r>
-              <a:rPr lang="en-US" altLang="ja-JP" sz="1200" dirty="0">
-                <a:solidFill>
-                  <a:schemeClr val="bg1"/>
-                </a:solidFill>
-              </a:rPr>
-              <a:t>    &lt;!--</a:t>
-            </a:r>
-          </a:p>
-          <a:p>
-            <a:pPr>
-              <a:buClr>
-                <a:schemeClr val="bg1"/>
-              </a:buClr>
-            </a:pPr>
-            <a:r>
-              <a:rPr lang="en-US" altLang="ja-JP" sz="1200" dirty="0">
-                <a:solidFill>
-                  <a:schemeClr val="bg1"/>
-                </a:solidFill>
-              </a:rPr>
-              <a:t>      </a:t>
-            </a:r>
-            <a:r>
-              <a:rPr lang="en-US" altLang="ja-JP" sz="1200" dirty="0" err="1">
-                <a:solidFill>
-                  <a:schemeClr val="bg1"/>
-                </a:solidFill>
-              </a:rPr>
-              <a:t>manifest.json</a:t>
-            </a:r>
-            <a:r>
-              <a:rPr lang="en-US" altLang="ja-JP" sz="1200" dirty="0">
-                <a:solidFill>
-                  <a:schemeClr val="bg1"/>
-                </a:solidFill>
-              </a:rPr>
-              <a:t> provides metadata used when your web app is added to the</a:t>
-            </a:r>
-          </a:p>
-          <a:p>
-            <a:pPr>
-              <a:buClr>
-                <a:schemeClr val="bg1"/>
-              </a:buClr>
-            </a:pPr>
-            <a:r>
-              <a:rPr lang="en-US" altLang="ja-JP" sz="1200" dirty="0">
-                <a:solidFill>
-                  <a:schemeClr val="bg1"/>
-                </a:solidFill>
-              </a:rPr>
-              <a:t>      </a:t>
-            </a:r>
-            <a:r>
-              <a:rPr lang="en-US" altLang="ja-JP" sz="1200" dirty="0" err="1">
-                <a:solidFill>
-                  <a:schemeClr val="bg1"/>
-                </a:solidFill>
-              </a:rPr>
-              <a:t>homescreen</a:t>
-            </a:r>
-            <a:r>
-              <a:rPr lang="en-US" altLang="ja-JP" sz="1200" dirty="0">
-                <a:solidFill>
-                  <a:schemeClr val="bg1"/>
-                </a:solidFill>
-              </a:rPr>
-              <a:t> on Android. See https://developers.google.com/web/fundamentals/engage-and-retain/web-app-manifest/</a:t>
-            </a:r>
-          </a:p>
-          <a:p>
-            <a:pPr>
-              <a:buClr>
-                <a:schemeClr val="bg1"/>
-              </a:buClr>
-            </a:pPr>
-            <a:r>
-              <a:rPr lang="en-US" altLang="ja-JP" sz="1200" dirty="0">
-                <a:solidFill>
-                  <a:schemeClr val="bg1"/>
-                </a:solidFill>
-              </a:rPr>
-              <a:t>    --&gt;</a:t>
-            </a:r>
-          </a:p>
-          <a:p>
-            <a:pPr>
-              <a:buClr>
-                <a:schemeClr val="bg1"/>
-              </a:buClr>
-            </a:pPr>
-            <a:r>
-              <a:rPr lang="en-US" altLang="ja-JP" sz="1200" dirty="0">
-                <a:solidFill>
-                  <a:schemeClr val="bg1"/>
-                </a:solidFill>
-              </a:rPr>
-              <a:t>    &lt;link </a:t>
-            </a:r>
-            <a:r>
-              <a:rPr lang="en-US" altLang="ja-JP" sz="1200" dirty="0" err="1">
-                <a:solidFill>
-                  <a:schemeClr val="bg1"/>
-                </a:solidFill>
-              </a:rPr>
-              <a:t>rel</a:t>
-            </a:r>
-            <a:r>
-              <a:rPr lang="en-US" altLang="ja-JP" sz="1200" dirty="0">
-                <a:solidFill>
-                  <a:schemeClr val="bg1"/>
-                </a:solidFill>
-              </a:rPr>
-              <a:t>="manifest" </a:t>
-            </a:r>
-            <a:r>
-              <a:rPr lang="en-US" altLang="ja-JP" sz="1200" dirty="0" err="1">
-                <a:solidFill>
-                  <a:schemeClr val="bg1"/>
-                </a:solidFill>
-              </a:rPr>
-              <a:t>href</a:t>
-            </a:r>
-            <a:r>
-              <a:rPr lang="en-US" altLang="ja-JP" sz="1200" dirty="0">
-                <a:solidFill>
-                  <a:schemeClr val="bg1"/>
-                </a:solidFill>
-              </a:rPr>
-              <a:t>="%PUBLIC_URL%/</a:t>
-            </a:r>
-            <a:r>
-              <a:rPr lang="en-US" altLang="ja-JP" sz="1200" dirty="0" err="1">
-                <a:solidFill>
-                  <a:schemeClr val="bg1"/>
-                </a:solidFill>
-              </a:rPr>
-              <a:t>manifest.json</a:t>
-            </a:r>
-            <a:r>
-              <a:rPr lang="en-US" altLang="ja-JP" sz="1200" dirty="0">
-                <a:solidFill>
-                  <a:schemeClr val="bg1"/>
-                </a:solidFill>
-              </a:rPr>
-              <a:t>"&gt;</a:t>
-            </a:r>
-          </a:p>
-          <a:p>
-            <a:pPr>
-              <a:buClr>
-                <a:schemeClr val="bg1"/>
-              </a:buClr>
-            </a:pPr>
-            <a:r>
-              <a:rPr lang="en-US" altLang="ja-JP" sz="1200" dirty="0">
-                <a:solidFill>
-                  <a:schemeClr val="bg1"/>
-                </a:solidFill>
-              </a:rPr>
-              <a:t>    &lt;link </a:t>
-            </a:r>
-            <a:r>
-              <a:rPr lang="en-US" altLang="ja-JP" sz="1200" dirty="0" err="1">
-                <a:solidFill>
-                  <a:schemeClr val="bg1"/>
-                </a:solidFill>
-              </a:rPr>
-              <a:t>rel</a:t>
-            </a:r>
-            <a:r>
-              <a:rPr lang="en-US" altLang="ja-JP" sz="1200" dirty="0">
-                <a:solidFill>
-                  <a:schemeClr val="bg1"/>
-                </a:solidFill>
-              </a:rPr>
-              <a:t>="shortcut icon" </a:t>
-            </a:r>
-            <a:r>
-              <a:rPr lang="en-US" altLang="ja-JP" sz="1200" dirty="0" err="1">
-                <a:solidFill>
-                  <a:schemeClr val="bg1"/>
-                </a:solidFill>
-              </a:rPr>
-              <a:t>href</a:t>
-            </a:r>
-            <a:r>
-              <a:rPr lang="en-US" altLang="ja-JP" sz="1200" dirty="0">
-                <a:solidFill>
-                  <a:schemeClr val="bg1"/>
-                </a:solidFill>
-              </a:rPr>
-              <a:t>="%PUBLIC_URL%/favicon.ico"&gt;</a:t>
-            </a:r>
-          </a:p>
-          <a:p>
-            <a:pPr>
-              <a:buClr>
-                <a:schemeClr val="bg1"/>
-              </a:buClr>
-            </a:pPr>
-            <a:r>
-              <a:rPr lang="en-US" altLang="ja-JP" sz="1200" dirty="0">
-                <a:solidFill>
-                  <a:schemeClr val="bg1"/>
-                </a:solidFill>
-              </a:rPr>
-              <a:t>    &lt;!--</a:t>
-            </a:r>
-          </a:p>
-          <a:p>
-            <a:pPr>
-              <a:buClr>
-                <a:schemeClr val="bg1"/>
-              </a:buClr>
-            </a:pPr>
-            <a:r>
-              <a:rPr lang="en-US" altLang="ja-JP" sz="1200" dirty="0">
-                <a:solidFill>
-                  <a:schemeClr val="bg1"/>
-                </a:solidFill>
-              </a:rPr>
-              <a:t>      Notice the use of %PUBLIC_URL% in the tags above.</a:t>
-            </a:r>
-          </a:p>
-          <a:p>
-            <a:pPr>
-              <a:buClr>
-                <a:schemeClr val="bg1"/>
-              </a:buClr>
-            </a:pPr>
-            <a:r>
-              <a:rPr lang="en-US" altLang="ja-JP" sz="1200" dirty="0">
-                <a:solidFill>
-                  <a:schemeClr val="bg1"/>
-                </a:solidFill>
-              </a:rPr>
-              <a:t>      It will be replaced with the URL of the `public` folder during the build.</a:t>
-            </a:r>
-          </a:p>
-          <a:p>
-            <a:pPr>
-              <a:buClr>
-                <a:schemeClr val="bg1"/>
-              </a:buClr>
-            </a:pPr>
-            <a:r>
-              <a:rPr lang="en-US" altLang="ja-JP" sz="1200" dirty="0">
-                <a:solidFill>
-                  <a:schemeClr val="bg1"/>
-                </a:solidFill>
-              </a:rPr>
-              <a:t>      Only files inside the `public` folder can be referenced from the HTML.</a:t>
-            </a:r>
-          </a:p>
-          <a:p>
-            <a:pPr>
-              <a:buClr>
-                <a:schemeClr val="bg1"/>
-              </a:buClr>
-            </a:pPr>
-            <a:endParaRPr lang="en-US" altLang="ja-JP" sz="1200" dirty="0">
-              <a:solidFill>
-                <a:schemeClr val="bg1"/>
-              </a:solidFill>
-            </a:endParaRPr>
-          </a:p>
-          <a:p>
-            <a:pPr>
-              <a:buClr>
-                <a:schemeClr val="bg1"/>
-              </a:buClr>
-            </a:pPr>
-            <a:r>
-              <a:rPr lang="en-US" altLang="ja-JP" sz="1200" dirty="0">
-                <a:solidFill>
-                  <a:schemeClr val="bg1"/>
-                </a:solidFill>
-              </a:rPr>
-              <a:t>      Unlike "/favicon.ico" or "favicon.ico", "%PUBLIC_URL%/favicon.ico" will</a:t>
-            </a:r>
-          </a:p>
-          <a:p>
-            <a:pPr>
-              <a:buClr>
-                <a:schemeClr val="bg1"/>
-              </a:buClr>
-            </a:pPr>
-            <a:r>
-              <a:rPr lang="en-US" altLang="ja-JP" sz="1200" dirty="0">
-                <a:solidFill>
-                  <a:schemeClr val="bg1"/>
-                </a:solidFill>
-              </a:rPr>
-              <a:t>      work correctly both with client-side routing and a non-root public URL.</a:t>
-            </a:r>
-          </a:p>
-          <a:p>
-            <a:pPr>
-              <a:buClr>
-                <a:schemeClr val="bg1"/>
-              </a:buClr>
-            </a:pPr>
-            <a:r>
-              <a:rPr lang="en-US" altLang="ja-JP" sz="1200" dirty="0">
-                <a:solidFill>
-                  <a:schemeClr val="bg1"/>
-                </a:solidFill>
-              </a:rPr>
-              <a:t>      Learn how to configure a non-root public URL by running `</a:t>
-            </a:r>
-            <a:r>
-              <a:rPr lang="en-US" altLang="ja-JP" sz="1200" dirty="0" err="1">
-                <a:solidFill>
-                  <a:schemeClr val="bg1"/>
-                </a:solidFill>
-              </a:rPr>
-              <a:t>npm</a:t>
-            </a:r>
-            <a:r>
-              <a:rPr lang="en-US" altLang="ja-JP" sz="1200" dirty="0">
-                <a:solidFill>
-                  <a:schemeClr val="bg1"/>
-                </a:solidFill>
-              </a:rPr>
-              <a:t> run build`.</a:t>
-            </a:r>
-          </a:p>
-          <a:p>
-            <a:pPr>
-              <a:buClr>
-                <a:schemeClr val="bg1"/>
-              </a:buClr>
-            </a:pPr>
-            <a:r>
-              <a:rPr lang="en-US" altLang="ja-JP" sz="1200" dirty="0">
-                <a:solidFill>
-                  <a:schemeClr val="bg1"/>
-                </a:solidFill>
-              </a:rPr>
-              <a:t>    --&gt;</a:t>
-            </a:r>
-          </a:p>
-          <a:p>
-            <a:pPr>
-              <a:buClr>
-                <a:schemeClr val="bg1"/>
-              </a:buClr>
-            </a:pPr>
-            <a:r>
-              <a:rPr lang="en-US" altLang="ja-JP" sz="1200" dirty="0">
-                <a:solidFill>
-                  <a:schemeClr val="bg1"/>
-                </a:solidFill>
-              </a:rPr>
-              <a:t>    &lt;title&gt;React App&lt;/title&gt;</a:t>
-            </a:r>
-          </a:p>
-          <a:p>
-            <a:pPr>
-              <a:buClr>
-                <a:schemeClr val="bg1"/>
-              </a:buClr>
-            </a:pPr>
-            <a:r>
-              <a:rPr lang="en-US" altLang="ja-JP" sz="1200" dirty="0">
-                <a:solidFill>
-                  <a:schemeClr val="bg1"/>
-                </a:solidFill>
-              </a:rPr>
-              <a:t>  &lt;/head&gt;</a:t>
-            </a:r>
-          </a:p>
-          <a:p>
-            <a:pPr>
-              <a:buClr>
-                <a:schemeClr val="bg1"/>
-              </a:buClr>
-            </a:pPr>
-            <a:r>
-              <a:rPr lang="en-US" altLang="ja-JP" sz="1200" dirty="0">
-                <a:solidFill>
-                  <a:schemeClr val="bg1"/>
-                </a:solidFill>
-              </a:rPr>
-              <a:t>  &lt;body&gt;</a:t>
-            </a:r>
-          </a:p>
-          <a:p>
-            <a:pPr>
-              <a:buClr>
-                <a:schemeClr val="bg1"/>
-              </a:buClr>
-            </a:pPr>
-            <a:r>
-              <a:rPr lang="en-US" altLang="ja-JP" sz="1200" dirty="0">
-                <a:solidFill>
-                  <a:schemeClr val="bg1"/>
-                </a:solidFill>
-              </a:rPr>
-              <a:t>    &lt;</a:t>
-            </a:r>
-            <a:r>
-              <a:rPr lang="en-US" altLang="ja-JP" sz="1200" dirty="0" err="1">
-                <a:solidFill>
-                  <a:schemeClr val="bg1"/>
-                </a:solidFill>
-              </a:rPr>
-              <a:t>noscript</a:t>
-            </a:r>
-            <a:r>
-              <a:rPr lang="en-US" altLang="ja-JP" sz="1200" dirty="0">
-                <a:solidFill>
-                  <a:schemeClr val="bg1"/>
-                </a:solidFill>
-              </a:rPr>
-              <a:t>&gt;</a:t>
-            </a:r>
-          </a:p>
-          <a:p>
-            <a:pPr>
-              <a:buClr>
-                <a:schemeClr val="bg1"/>
-              </a:buClr>
-            </a:pPr>
-            <a:r>
-              <a:rPr lang="en-US" altLang="ja-JP" sz="1200" dirty="0">
-                <a:solidFill>
-                  <a:schemeClr val="bg1"/>
-                </a:solidFill>
-              </a:rPr>
-              <a:t>      You need to enable JavaScript to run this app.</a:t>
-            </a:r>
-          </a:p>
-          <a:p>
-            <a:pPr>
-              <a:buClr>
-                <a:schemeClr val="bg1"/>
-              </a:buClr>
-            </a:pPr>
-            <a:r>
-              <a:rPr lang="en-US" altLang="ja-JP" sz="1200" dirty="0">
-                <a:solidFill>
-                  <a:schemeClr val="bg1"/>
-                </a:solidFill>
-              </a:rPr>
-              <a:t>    &lt;/</a:t>
-            </a:r>
-            <a:r>
-              <a:rPr lang="en-US" altLang="ja-JP" sz="1200" dirty="0" err="1">
-                <a:solidFill>
-                  <a:schemeClr val="bg1"/>
-                </a:solidFill>
-              </a:rPr>
-              <a:t>noscript</a:t>
-            </a:r>
-            <a:r>
-              <a:rPr lang="en-US" altLang="ja-JP" sz="1200" dirty="0">
-                <a:solidFill>
-                  <a:schemeClr val="bg1"/>
-                </a:solidFill>
-              </a:rPr>
-              <a:t>&gt;</a:t>
-            </a:r>
-          </a:p>
-          <a:p>
-            <a:pPr>
-              <a:buClr>
-                <a:schemeClr val="bg1"/>
-              </a:buClr>
-            </a:pPr>
-            <a:r>
-              <a:rPr lang="en-US" altLang="ja-JP" sz="1200" dirty="0">
-                <a:solidFill>
-                  <a:schemeClr val="bg1"/>
-                </a:solidFill>
-              </a:rPr>
-              <a:t>    &lt;div id="root"&gt;&lt;/div&gt;</a:t>
-            </a:r>
-          </a:p>
-          <a:p>
-            <a:pPr>
-              <a:buClr>
-                <a:schemeClr val="bg1"/>
-              </a:buClr>
-            </a:pPr>
-            <a:r>
-              <a:rPr lang="en-US" altLang="ja-JP" sz="1200" dirty="0">
-                <a:solidFill>
-                  <a:schemeClr val="bg1"/>
-                </a:solidFill>
-              </a:rPr>
-              <a:t>    &lt;!--</a:t>
-            </a:r>
-          </a:p>
-          <a:p>
-            <a:pPr>
-              <a:buClr>
-                <a:schemeClr val="bg1"/>
-              </a:buClr>
-            </a:pPr>
-            <a:r>
-              <a:rPr lang="en-US" altLang="ja-JP" sz="1200" dirty="0">
-                <a:solidFill>
-                  <a:schemeClr val="bg1"/>
-                </a:solidFill>
-              </a:rPr>
-              <a:t>      This HTML file is a template.</a:t>
-            </a:r>
-          </a:p>
-          <a:p>
-            <a:pPr>
-              <a:buClr>
-                <a:schemeClr val="bg1"/>
-              </a:buClr>
-            </a:pPr>
-            <a:r>
-              <a:rPr lang="en-US" altLang="ja-JP" sz="1200" dirty="0">
-                <a:solidFill>
-                  <a:schemeClr val="bg1"/>
-                </a:solidFill>
-              </a:rPr>
-              <a:t>      If you open it directly in the browser, you will see an empty page.</a:t>
-            </a:r>
-          </a:p>
-          <a:p>
-            <a:pPr>
-              <a:buClr>
-                <a:schemeClr val="bg1"/>
-              </a:buClr>
-            </a:pPr>
-            <a:endParaRPr lang="en-US" altLang="ja-JP" sz="1200" dirty="0">
-              <a:solidFill>
-                <a:schemeClr val="bg1"/>
-              </a:solidFill>
-            </a:endParaRPr>
-          </a:p>
-          <a:p>
-            <a:pPr>
-              <a:buClr>
-                <a:schemeClr val="bg1"/>
-              </a:buClr>
-            </a:pPr>
-            <a:r>
-              <a:rPr lang="en-US" altLang="ja-JP" sz="1200" dirty="0">
-                <a:solidFill>
-                  <a:schemeClr val="bg1"/>
-                </a:solidFill>
-              </a:rPr>
-              <a:t>      You can add </a:t>
-            </a:r>
-            <a:r>
-              <a:rPr lang="en-US" altLang="ja-JP" sz="1200" dirty="0" err="1">
-                <a:solidFill>
-                  <a:schemeClr val="bg1"/>
-                </a:solidFill>
-              </a:rPr>
-              <a:t>webfonts</a:t>
-            </a:r>
-            <a:r>
-              <a:rPr lang="en-US" altLang="ja-JP" sz="1200" dirty="0">
-                <a:solidFill>
-                  <a:schemeClr val="bg1"/>
-                </a:solidFill>
-              </a:rPr>
-              <a:t>, meta tags, or analytics to this file.</a:t>
-            </a:r>
-          </a:p>
-          <a:p>
-            <a:pPr>
-              <a:buClr>
-                <a:schemeClr val="bg1"/>
-              </a:buClr>
-            </a:pPr>
-            <a:r>
-              <a:rPr lang="en-US" altLang="ja-JP" sz="1200" dirty="0">
-                <a:solidFill>
-                  <a:schemeClr val="bg1"/>
-                </a:solidFill>
-              </a:rPr>
-              <a:t>      The build step will place the bundled scripts into the &lt;body&gt; tag.</a:t>
-            </a:r>
-          </a:p>
-          <a:p>
-            <a:pPr>
-              <a:buClr>
-                <a:schemeClr val="bg1"/>
-              </a:buClr>
-            </a:pPr>
-            <a:endParaRPr lang="en-US" altLang="ja-JP" sz="1200" dirty="0">
-              <a:solidFill>
-                <a:schemeClr val="bg1"/>
-              </a:solidFill>
-            </a:endParaRPr>
-          </a:p>
-          <a:p>
-            <a:pPr>
-              <a:buClr>
-                <a:schemeClr val="bg1"/>
-              </a:buClr>
-            </a:pPr>
-            <a:r>
-              <a:rPr lang="en-US" altLang="ja-JP" sz="1200" dirty="0">
-                <a:solidFill>
-                  <a:schemeClr val="bg1"/>
-                </a:solidFill>
-              </a:rPr>
-              <a:t>      To begin the development, run `</a:t>
-            </a:r>
-            <a:r>
-              <a:rPr lang="en-US" altLang="ja-JP" sz="1200" dirty="0" err="1">
-                <a:solidFill>
-                  <a:schemeClr val="bg1"/>
-                </a:solidFill>
-              </a:rPr>
-              <a:t>npm</a:t>
-            </a:r>
-            <a:r>
-              <a:rPr lang="en-US" altLang="ja-JP" sz="1200" dirty="0">
-                <a:solidFill>
-                  <a:schemeClr val="bg1"/>
-                </a:solidFill>
-              </a:rPr>
-              <a:t> start` or `yarn start`.</a:t>
-            </a:r>
-          </a:p>
-          <a:p>
-            <a:pPr>
-              <a:buClr>
-                <a:schemeClr val="bg1"/>
-              </a:buClr>
-            </a:pPr>
-            <a:r>
-              <a:rPr lang="en-US" altLang="ja-JP" sz="1200" dirty="0">
-                <a:solidFill>
-                  <a:schemeClr val="bg1"/>
-                </a:solidFill>
-              </a:rPr>
-              <a:t>      To create a production bundle, use `</a:t>
-            </a:r>
-            <a:r>
-              <a:rPr lang="en-US" altLang="ja-JP" sz="1200" dirty="0" err="1">
-                <a:solidFill>
-                  <a:schemeClr val="bg1"/>
-                </a:solidFill>
-              </a:rPr>
-              <a:t>npm</a:t>
-            </a:r>
-            <a:r>
-              <a:rPr lang="en-US" altLang="ja-JP" sz="1200" dirty="0">
-                <a:solidFill>
-                  <a:schemeClr val="bg1"/>
-                </a:solidFill>
-              </a:rPr>
-              <a:t> run build` or `yarn build`.</a:t>
-            </a:r>
-          </a:p>
-          <a:p>
-            <a:pPr>
-              <a:buClr>
-                <a:schemeClr val="bg1"/>
-              </a:buClr>
-            </a:pPr>
-            <a:r>
-              <a:rPr lang="en-US" altLang="ja-JP" sz="1200" dirty="0">
-                <a:solidFill>
-                  <a:schemeClr val="bg1"/>
-                </a:solidFill>
-              </a:rPr>
-              <a:t>    --&gt;</a:t>
-            </a:r>
-          </a:p>
-          <a:p>
-            <a:pPr>
-              <a:buClr>
-                <a:schemeClr val="bg1"/>
-              </a:buClr>
-            </a:pPr>
-            <a:r>
-              <a:rPr lang="en-US" altLang="ja-JP" sz="1200" dirty="0">
-                <a:solidFill>
-                  <a:schemeClr val="bg1"/>
-                </a:solidFill>
-              </a:rPr>
-              <a:t>    &lt;script type="text/</a:t>
-            </a:r>
-            <a:r>
-              <a:rPr lang="en-US" altLang="ja-JP" sz="1200" dirty="0" err="1">
-                <a:solidFill>
-                  <a:schemeClr val="bg1"/>
-                </a:solidFill>
-              </a:rPr>
-              <a:t>javascript</a:t>
-            </a:r>
-            <a:r>
-              <a:rPr lang="en-US" altLang="ja-JP" sz="1200" dirty="0">
-                <a:solidFill>
-                  <a:schemeClr val="bg1"/>
-                </a:solidFill>
-              </a:rPr>
-              <a:t>" </a:t>
-            </a:r>
-            <a:r>
-              <a:rPr lang="en-US" altLang="ja-JP" sz="1200" dirty="0" err="1">
-                <a:solidFill>
-                  <a:schemeClr val="bg1"/>
-                </a:solidFill>
-              </a:rPr>
-              <a:t>src</a:t>
-            </a:r>
-            <a:r>
-              <a:rPr lang="en-US" altLang="ja-JP" sz="1200" dirty="0">
-                <a:solidFill>
-                  <a:schemeClr val="bg1"/>
-                </a:solidFill>
-              </a:rPr>
-              <a:t>="cordova.js"&gt;&lt;/script&gt;</a:t>
-            </a:r>
-          </a:p>
-          <a:p>
-            <a:pPr>
-              <a:buClr>
-                <a:schemeClr val="bg1"/>
-              </a:buClr>
-            </a:pPr>
-            <a:r>
-              <a:rPr lang="en-US" altLang="ja-JP" sz="1200" dirty="0">
-                <a:solidFill>
-                  <a:schemeClr val="bg1"/>
-                </a:solidFill>
-              </a:rPr>
-              <a:t>  &lt;/body&gt;</a:t>
-            </a:r>
-          </a:p>
-          <a:p>
-            <a:pPr>
-              <a:buClr>
-                <a:schemeClr val="bg1"/>
-              </a:buClr>
-            </a:pPr>
-            <a:r>
-              <a:rPr lang="en-US" altLang="ja-JP" sz="1200" dirty="0">
-                <a:solidFill>
-                  <a:schemeClr val="bg1"/>
-                </a:solidFill>
-              </a:rPr>
-              <a:t>&lt;/html&gt;</a:t>
-            </a:r>
-            <a:endParaRPr lang="ja-JP" altLang="en-US" sz="1200" dirty="0">
-              <a:solidFill>
-                <a:schemeClr val="bg1"/>
-              </a:solidFill>
-            </a:endParaRPr>
-          </a:p>
-        </p:txBody>
-      </p:sp>
-      <p:sp>
-        <p:nvSpPr>
-          <p:cNvPr id="3" name="タイトル 2"/>
-          <p:cNvSpPr>
-            <a:spLocks noGrp="1"/>
-          </p:cNvSpPr>
-          <p:nvPr>
-            <p:ph type="title"/>
-          </p:nvPr>
-        </p:nvSpPr>
-        <p:spPr/>
-        <p:txBody>
-          <a:bodyPr/>
-          <a:lstStyle/>
-          <a:p>
-            <a:r>
-              <a:rPr lang="en-US" altLang="ja-JP" dirty="0" smtClean="0"/>
-              <a:t>2-4.React</a:t>
-            </a:r>
-            <a:r>
-              <a:rPr lang="ja-JP" altLang="en-US" dirty="0"/>
-              <a:t>の開発環境構築 </a:t>
-            </a:r>
-            <a:r>
-              <a:rPr lang="en-US" altLang="ja-JP" dirty="0"/>
-              <a:t>–</a:t>
-            </a:r>
-            <a:r>
-              <a:rPr lang="ja-JP" altLang="en-US" dirty="0"/>
-              <a:t>プロジェクトの</a:t>
-            </a:r>
-            <a:r>
-              <a:rPr lang="ja-JP" altLang="en-US" dirty="0" smtClean="0"/>
-              <a:t>作成⑥</a:t>
-            </a:r>
-            <a:endParaRPr kumimoji="1" lang="ja-JP" altLang="en-US" dirty="0"/>
-          </a:p>
-        </p:txBody>
-      </p:sp>
-    </p:spTree>
-    <p:extLst>
-      <p:ext uri="{BB962C8B-B14F-4D97-AF65-F5344CB8AC3E}">
-        <p14:creationId xmlns:p14="http://schemas.microsoft.com/office/powerpoint/2010/main" val="1182308995"/>
-      </p:ext>
-    </p:extLst>
-  </p:cSld>
-  <p:clrMapOvr>
-    <a:masterClrMapping/>
-  </p:clrMapOvr>
-  <p:timing>
-    <p:tnLst>
-      <p:par>
-        <p:cTn id="1" dur="indefinite" restart="never" nodeType="tmRoot"/>
-      </p:par>
-    </p:tnLst>
-  </p:timing>
-</p:sld>
-</file>
-
-<file path=ppt/slides/slide11.xml><?xml version="1.0" encoding="utf-8"?>
-<p:sld xmlns:a="http://schemas.openxmlformats.org/drawingml/2006/main" xmlns:r="http://schemas.openxmlformats.org/officeDocument/2006/relationships" xmlns:p="http://schemas.openxmlformats.org/presentationml/2006/main">
-  <p:cSld>
-    <p:spTree>
-      <p:nvGrpSpPr>
-        <p:cNvPr id="1" name=""/>
-        <p:cNvGrpSpPr/>
-        <p:nvPr/>
-      </p:nvGrpSpPr>
-      <p:grpSpPr>
-        <a:xfrm>
-          <a:off x="0" y="0"/>
-          <a:ext cx="0" cy="0"/>
-          <a:chOff x="0" y="0"/>
-          <a:chExt cx="0" cy="0"/>
-        </a:xfrm>
-      </p:grpSpPr>
-      <p:sp>
-        <p:nvSpPr>
-          <p:cNvPr id="7" name="コンテンツ プレースホルダー 3"/>
-          <p:cNvSpPr txBox="1">
-            <a:spLocks/>
-          </p:cNvSpPr>
-          <p:nvPr/>
-        </p:nvSpPr>
-        <p:spPr>
-          <a:xfrm>
-            <a:off x="555219" y="1200150"/>
-            <a:ext cx="11164927" cy="871416"/>
-          </a:xfrm>
-          <a:prstGeom prst="rect">
-            <a:avLst/>
-          </a:prstGeom>
-          <a:solidFill>
-            <a:schemeClr val="accent1">
-              <a:lumMod val="20000"/>
-              <a:lumOff val="80000"/>
-            </a:schemeClr>
-          </a:solidFill>
-          <a:ln>
-            <a:solidFill>
-              <a:schemeClr val="accent1"/>
-            </a:solidFill>
-          </a:ln>
-        </p:spPr>
-        <p:txBody>
-          <a:bodyPr anchor="ctr"/>
-          <a:lstStyle>
-            <a:lvl1pPr marL="228600" indent="-228600" algn="l" defTabSz="914400" rtl="0" eaLnBrk="1" latinLnBrk="0" hangingPunct="1">
-              <a:lnSpc>
-                <a:spcPct val="90000"/>
-              </a:lnSpc>
-              <a:spcBef>
-                <a:spcPts val="1000"/>
-              </a:spcBef>
-              <a:buFont typeface="Arial" panose="020B0604020202020204" pitchFamily="34" charset="0"/>
-              <a:buChar char="•"/>
-              <a:defRPr kumimoji="1" sz="2000" kern="1200">
-                <a:solidFill>
-                  <a:schemeClr val="tx1"/>
-                </a:solidFill>
-                <a:latin typeface="Meiryo UI" panose="020B0604030504040204" pitchFamily="50" charset="-128"/>
-                <a:ea typeface="Meiryo UI" panose="020B0604030504040204" pitchFamily="50" charset="-128"/>
-                <a:cs typeface="+mn-cs"/>
-              </a:defRPr>
-            </a:lvl1pPr>
-            <a:lvl2pPr marL="685800" indent="-228600" algn="l" defTabSz="914400" rtl="0" eaLnBrk="1" latinLnBrk="0" hangingPunct="1">
-              <a:lnSpc>
-                <a:spcPct val="90000"/>
-              </a:lnSpc>
-              <a:spcBef>
-                <a:spcPts val="500"/>
-              </a:spcBef>
-              <a:buFont typeface="Arial" panose="020B0604020202020204" pitchFamily="34" charset="0"/>
-              <a:buChar char="•"/>
-              <a:defRPr kumimoji="1" sz="1800" kern="1200">
-                <a:solidFill>
-                  <a:schemeClr val="tx1"/>
-                </a:solidFill>
-                <a:latin typeface="Meiryo UI" panose="020B0604030504040204" pitchFamily="50" charset="-128"/>
-                <a:ea typeface="Meiryo UI" panose="020B0604030504040204" pitchFamily="50" charset="-128"/>
-                <a:cs typeface="+mn-cs"/>
-              </a:defRPr>
-            </a:lvl2pPr>
-            <a:lvl3pPr marL="1143000" indent="-228600" algn="l" defTabSz="914400" rtl="0" eaLnBrk="1" latinLnBrk="0" hangingPunct="1">
-              <a:lnSpc>
-                <a:spcPct val="90000"/>
-              </a:lnSpc>
-              <a:spcBef>
-                <a:spcPts val="500"/>
-              </a:spcBef>
-              <a:buFont typeface="Arial" panose="020B0604020202020204" pitchFamily="34" charset="0"/>
-              <a:buChar char="•"/>
-              <a:defRPr kumimoji="1" sz="1600" kern="1200">
-                <a:solidFill>
-                  <a:schemeClr val="tx1"/>
-                </a:solidFill>
-                <a:latin typeface="Meiryo UI" panose="020B0604030504040204" pitchFamily="50" charset="-128"/>
-                <a:ea typeface="Meiryo UI" panose="020B0604030504040204" pitchFamily="50" charset="-128"/>
-                <a:cs typeface="+mn-cs"/>
-              </a:defRPr>
-            </a:lvl3pPr>
-            <a:lvl4pPr marL="1600200" indent="-228600" algn="l" defTabSz="914400" rtl="0" eaLnBrk="1" latinLnBrk="0" hangingPunct="1">
-              <a:lnSpc>
-                <a:spcPct val="90000"/>
-              </a:lnSpc>
-              <a:spcBef>
-                <a:spcPts val="500"/>
-              </a:spcBef>
-              <a:buFont typeface="Arial" panose="020B0604020202020204" pitchFamily="34" charset="0"/>
-              <a:buChar char="•"/>
-              <a:defRPr kumimoji="1" sz="1400" kern="1200">
-                <a:solidFill>
-                  <a:schemeClr val="tx1"/>
-                </a:solidFill>
-                <a:latin typeface="Meiryo UI" panose="020B0604030504040204" pitchFamily="50" charset="-128"/>
-                <a:ea typeface="Meiryo UI" panose="020B0604030504040204" pitchFamily="50" charset="-128"/>
-                <a:cs typeface="+mn-cs"/>
-              </a:defRPr>
-            </a:lvl4pPr>
-            <a:lvl5pPr marL="2057400" indent="-228600" algn="l" defTabSz="914400" rtl="0" eaLnBrk="1" latinLnBrk="0" hangingPunct="1">
-              <a:lnSpc>
-                <a:spcPct val="90000"/>
-              </a:lnSpc>
-              <a:spcBef>
-                <a:spcPts val="500"/>
-              </a:spcBef>
-              <a:buFont typeface="Arial" panose="020B0604020202020204" pitchFamily="34" charset="0"/>
-              <a:buChar char="•"/>
-              <a:defRPr kumimoji="1" sz="1200" kern="1200">
-                <a:solidFill>
-                  <a:schemeClr val="tx1"/>
-                </a:solidFill>
-                <a:latin typeface="Meiryo UI" panose="020B0604030504040204" pitchFamily="50" charset="-128"/>
-                <a:ea typeface="Meiryo UI" panose="020B0604030504040204" pitchFamily="50" charset="-128"/>
-                <a:cs typeface="+mn-cs"/>
-              </a:defRPr>
-            </a:lvl5pPr>
-            <a:lvl6pPr marL="2514600" indent="-228600" algn="l" defTabSz="914400" rtl="0" eaLnBrk="1" latinLnBrk="0" hangingPunct="1">
-              <a:lnSpc>
-                <a:spcPct val="90000"/>
-              </a:lnSpc>
-              <a:spcBef>
-                <a:spcPts val="500"/>
-              </a:spcBef>
-              <a:buFont typeface="Arial" panose="020B0604020202020204" pitchFamily="34" charset="0"/>
-              <a:buChar char="•"/>
-              <a:defRPr kumimoji="1" sz="1800" kern="1200">
-                <a:solidFill>
-                  <a:schemeClr val="tx1"/>
-                </a:solidFill>
-                <a:latin typeface="+mn-lt"/>
-                <a:ea typeface="+mn-ea"/>
-                <a:cs typeface="+mn-cs"/>
-              </a:defRPr>
-            </a:lvl6pPr>
-            <a:lvl7pPr marL="2971800" indent="-228600" algn="l" defTabSz="914400" rtl="0" eaLnBrk="1" latinLnBrk="0" hangingPunct="1">
-              <a:lnSpc>
-                <a:spcPct val="90000"/>
-              </a:lnSpc>
-              <a:spcBef>
-                <a:spcPts val="500"/>
-              </a:spcBef>
-              <a:buFont typeface="Arial" panose="020B0604020202020204" pitchFamily="34" charset="0"/>
-              <a:buChar char="•"/>
-              <a:defRPr kumimoji="1" sz="1800" kern="1200">
-                <a:solidFill>
-                  <a:schemeClr val="tx1"/>
-                </a:solidFill>
-                <a:latin typeface="+mn-lt"/>
-                <a:ea typeface="+mn-ea"/>
-                <a:cs typeface="+mn-cs"/>
-              </a:defRPr>
-            </a:lvl7pPr>
-            <a:lvl8pPr marL="3429000" indent="-228600" algn="l" defTabSz="914400" rtl="0" eaLnBrk="1" latinLnBrk="0" hangingPunct="1">
-              <a:lnSpc>
-                <a:spcPct val="90000"/>
-              </a:lnSpc>
-              <a:spcBef>
-                <a:spcPts val="500"/>
-              </a:spcBef>
-              <a:buFont typeface="Arial" panose="020B0604020202020204" pitchFamily="34" charset="0"/>
-              <a:buChar char="•"/>
-              <a:defRPr kumimoji="1" sz="1800" kern="1200">
-                <a:solidFill>
-                  <a:schemeClr val="tx1"/>
-                </a:solidFill>
-                <a:latin typeface="+mn-lt"/>
-                <a:ea typeface="+mn-ea"/>
-                <a:cs typeface="+mn-cs"/>
-              </a:defRPr>
-            </a:lvl8pPr>
-            <a:lvl9pPr marL="3886200" indent="-228600" algn="l" defTabSz="914400" rtl="0" eaLnBrk="1" latinLnBrk="0" hangingPunct="1">
-              <a:lnSpc>
-                <a:spcPct val="90000"/>
-              </a:lnSpc>
-              <a:spcBef>
-                <a:spcPts val="500"/>
-              </a:spcBef>
-              <a:buFont typeface="Arial" panose="020B0604020202020204" pitchFamily="34" charset="0"/>
-              <a:buChar char="•"/>
-              <a:defRPr kumimoji="1" sz="1800" kern="1200">
-                <a:solidFill>
-                  <a:schemeClr val="tx1"/>
-                </a:solidFill>
-                <a:latin typeface="+mn-lt"/>
-                <a:ea typeface="+mn-ea"/>
-                <a:cs typeface="+mn-cs"/>
-              </a:defRPr>
-            </a:lvl9pPr>
-          </a:lstStyle>
-          <a:p>
-            <a:pPr marL="0" indent="0">
-              <a:buNone/>
-            </a:pPr>
-            <a:r>
-              <a:rPr lang="ja-JP" altLang="en-US" dirty="0"/>
-              <a:t>プロジェクト</a:t>
-            </a:r>
-            <a:r>
-              <a:rPr lang="ja-JP" altLang="en-US" dirty="0" smtClean="0"/>
-              <a:t>のビルド</a:t>
-            </a:r>
-            <a:r>
-              <a:rPr lang="en-US" altLang="ja-JP" dirty="0" smtClean="0"/>
-              <a:t>&amp;</a:t>
-            </a:r>
-            <a:r>
-              <a:rPr lang="ja-JP" altLang="en-US" dirty="0" smtClean="0"/>
-              <a:t>プラットフォーム環境の追加。</a:t>
-            </a:r>
-            <a:endParaRPr lang="en-US" altLang="ja-JP" dirty="0" smtClean="0"/>
-          </a:p>
-        </p:txBody>
-      </p:sp>
-      <p:sp>
-        <p:nvSpPr>
-          <p:cNvPr id="5" name="正方形/長方形 4"/>
-          <p:cNvSpPr/>
-          <p:nvPr/>
-        </p:nvSpPr>
-        <p:spPr>
-          <a:xfrm>
-            <a:off x="555218" y="2285030"/>
-            <a:ext cx="11164927" cy="1558549"/>
-          </a:xfrm>
-          <a:prstGeom prst="rect">
-            <a:avLst/>
-          </a:prstGeom>
-          <a:solidFill>
-            <a:schemeClr val="tx2">
-              <a:lumMod val="75000"/>
-            </a:schemeClr>
-          </a:solidFill>
-          <a:ln>
-            <a:solidFill>
-              <a:schemeClr val="bg2">
-                <a:lumMod val="25000"/>
-              </a:schemeClr>
-            </a:solidFill>
-          </a:ln>
-        </p:spPr>
-        <p:style>
-          <a:lnRef idx="2">
-            <a:schemeClr val="accent1">
-              <a:shade val="50000"/>
-            </a:schemeClr>
-          </a:lnRef>
-          <a:fillRef idx="1">
-            <a:schemeClr val="accent1"/>
-          </a:fillRef>
-          <a:effectRef idx="0">
-            <a:schemeClr val="accent1"/>
-          </a:effectRef>
-          <a:fontRef idx="minor">
-            <a:schemeClr val="lt1"/>
-          </a:fontRef>
-        </p:style>
-        <p:txBody>
-          <a:bodyPr rtlCol="0" anchor="ctr"/>
-          <a:lstStyle/>
-          <a:p>
-            <a:pPr marL="285750" indent="-285750">
-              <a:buClr>
-                <a:schemeClr val="bg1"/>
-              </a:buClr>
-              <a:buFont typeface="Wingdings" panose="05000000000000000000" pitchFamily="2" charset="2"/>
-              <a:buChar char="ü"/>
-            </a:pPr>
-            <a:r>
-              <a:rPr lang="en-US" altLang="ja-JP" dirty="0" smtClean="0">
-                <a:solidFill>
-                  <a:schemeClr val="bg1"/>
-                </a:solidFill>
-              </a:rPr>
-              <a:t>cd tutorial</a:t>
-            </a:r>
-          </a:p>
-          <a:p>
-            <a:pPr marL="285750" indent="-285750">
-              <a:buClr>
-                <a:schemeClr val="bg1"/>
-              </a:buClr>
-              <a:buFont typeface="Wingdings" panose="05000000000000000000" pitchFamily="2" charset="2"/>
-              <a:buChar char="ü"/>
-            </a:pPr>
-            <a:r>
-              <a:rPr lang="en-US" altLang="ja-JP" dirty="0" err="1" smtClean="0">
-                <a:solidFill>
-                  <a:schemeClr val="bg1"/>
-                </a:solidFill>
-              </a:rPr>
-              <a:t>npm</a:t>
-            </a:r>
-            <a:r>
-              <a:rPr lang="en-US" altLang="ja-JP" dirty="0" smtClean="0">
-                <a:solidFill>
-                  <a:schemeClr val="bg1"/>
-                </a:solidFill>
-              </a:rPr>
-              <a:t> run build</a:t>
-            </a:r>
-          </a:p>
-          <a:p>
-            <a:pPr marL="285750" indent="-285750">
-              <a:buClr>
-                <a:schemeClr val="bg1"/>
-              </a:buClr>
-              <a:buFont typeface="Wingdings" panose="05000000000000000000" pitchFamily="2" charset="2"/>
-              <a:buChar char="ü"/>
-            </a:pPr>
-            <a:r>
-              <a:rPr lang="en-US" altLang="ja-JP" dirty="0" err="1">
-                <a:solidFill>
-                  <a:schemeClr val="bg1"/>
-                </a:solidFill>
-              </a:rPr>
-              <a:t>cordova</a:t>
-            </a:r>
-            <a:r>
-              <a:rPr lang="en-US" altLang="ja-JP" dirty="0">
-                <a:solidFill>
-                  <a:schemeClr val="bg1"/>
-                </a:solidFill>
-              </a:rPr>
-              <a:t> platform add </a:t>
-            </a:r>
-            <a:r>
-              <a:rPr lang="en-US" altLang="ja-JP" dirty="0" smtClean="0">
-                <a:solidFill>
-                  <a:schemeClr val="bg1"/>
-                </a:solidFill>
-              </a:rPr>
-              <a:t>android</a:t>
-            </a:r>
-          </a:p>
-          <a:p>
-            <a:pPr marL="285750" indent="-285750">
-              <a:buClr>
-                <a:schemeClr val="bg1"/>
-              </a:buClr>
-              <a:buFont typeface="Wingdings" panose="05000000000000000000" pitchFamily="2" charset="2"/>
-              <a:buChar char="ü"/>
-            </a:pPr>
-            <a:r>
-              <a:rPr lang="en-US" altLang="ja-JP" dirty="0" err="1">
-                <a:solidFill>
-                  <a:schemeClr val="bg1"/>
-                </a:solidFill>
-              </a:rPr>
-              <a:t>n</a:t>
-            </a:r>
-            <a:r>
-              <a:rPr lang="en-US" altLang="ja-JP" dirty="0" err="1" smtClean="0">
-                <a:solidFill>
-                  <a:schemeClr val="bg1"/>
-                </a:solidFill>
-              </a:rPr>
-              <a:t>pm</a:t>
-            </a:r>
-            <a:r>
-              <a:rPr lang="en-US" altLang="ja-JP" dirty="0" smtClean="0">
-                <a:solidFill>
-                  <a:schemeClr val="bg1"/>
-                </a:solidFill>
-              </a:rPr>
-              <a:t> install</a:t>
-            </a:r>
-          </a:p>
-        </p:txBody>
-      </p:sp>
-      <p:sp>
-        <p:nvSpPr>
-          <p:cNvPr id="3" name="タイトル 2"/>
-          <p:cNvSpPr>
-            <a:spLocks noGrp="1"/>
-          </p:cNvSpPr>
-          <p:nvPr>
-            <p:ph type="title"/>
-          </p:nvPr>
-        </p:nvSpPr>
-        <p:spPr/>
-        <p:txBody>
-          <a:bodyPr/>
-          <a:lstStyle/>
-          <a:p>
-            <a:r>
-              <a:rPr lang="en-US" altLang="ja-JP" dirty="0" smtClean="0"/>
-              <a:t>2-4.React</a:t>
-            </a:r>
-            <a:r>
-              <a:rPr lang="ja-JP" altLang="en-US" dirty="0"/>
-              <a:t>の開発環境構築 </a:t>
-            </a:r>
-            <a:r>
-              <a:rPr lang="en-US" altLang="ja-JP" dirty="0"/>
-              <a:t>–</a:t>
-            </a:r>
-            <a:r>
-              <a:rPr lang="ja-JP" altLang="en-US" dirty="0"/>
-              <a:t>プロジェクトの</a:t>
-            </a:r>
-            <a:r>
-              <a:rPr lang="ja-JP" altLang="en-US" dirty="0" smtClean="0"/>
-              <a:t>作成⑦</a:t>
-            </a:r>
-            <a:endParaRPr kumimoji="1" lang="ja-JP" altLang="en-US" dirty="0"/>
-          </a:p>
-        </p:txBody>
-      </p:sp>
-    </p:spTree>
-    <p:extLst>
-      <p:ext uri="{BB962C8B-B14F-4D97-AF65-F5344CB8AC3E}">
-        <p14:creationId xmlns:p14="http://schemas.microsoft.com/office/powerpoint/2010/main" val="673583202"/>
-      </p:ext>
-    </p:extLst>
-  </p:cSld>
-  <p:clrMapOvr>
-    <a:masterClrMapping/>
-  </p:clrMapOvr>
-  <p:timing>
-    <p:tnLst>
-      <p:par>
-        <p:cTn id="1" dur="indefinite" restart="never" nodeType="tmRoot"/>
-      </p:par>
-    </p:tnLst>
-  </p:timing>
-</p:sld>
-</file>
-
-<file path=ppt/slides/slide12.xml><?xml version="1.0" encoding="utf-8"?>
-<p:sld xmlns:a="http://schemas.openxmlformats.org/drawingml/2006/main" xmlns:r="http://schemas.openxmlformats.org/officeDocument/2006/relationships" xmlns:p="http://schemas.openxmlformats.org/presentationml/2006/main">
-  <p:cSld>
-    <p:spTree>
-      <p:nvGrpSpPr>
-        <p:cNvPr id="1" name=""/>
-        <p:cNvGrpSpPr/>
-        <p:nvPr/>
-      </p:nvGrpSpPr>
-      <p:grpSpPr>
-        <a:xfrm>
-          <a:off x="0" y="0"/>
-          <a:ext cx="0" cy="0"/>
-          <a:chOff x="0" y="0"/>
-          <a:chExt cx="0" cy="0"/>
-        </a:xfrm>
-      </p:grpSpPr>
-      <p:sp>
-        <p:nvSpPr>
-          <p:cNvPr id="2" name="タイトル 1"/>
-          <p:cNvSpPr>
-            <a:spLocks noGrp="1"/>
-          </p:cNvSpPr>
-          <p:nvPr>
-            <p:ph type="title"/>
-          </p:nvPr>
-        </p:nvSpPr>
-        <p:spPr/>
-        <p:txBody>
-          <a:bodyPr/>
-          <a:lstStyle/>
-          <a:p>
-            <a:r>
-              <a:rPr lang="en-US" altLang="ja-JP" dirty="0" smtClean="0"/>
-              <a:t>2-4.React</a:t>
-            </a:r>
-            <a:r>
-              <a:rPr lang="ja-JP" altLang="en-US" dirty="0"/>
-              <a:t>の開発環境構築 </a:t>
-            </a:r>
-            <a:r>
-              <a:rPr lang="en-US" altLang="ja-JP" dirty="0" smtClean="0"/>
-              <a:t>–</a:t>
-            </a:r>
-            <a:r>
-              <a:rPr lang="ja-JP" altLang="en-US" dirty="0"/>
-              <a:t>その他</a:t>
-            </a:r>
-            <a:endParaRPr kumimoji="1" lang="ja-JP" altLang="en-US" dirty="0"/>
-          </a:p>
-        </p:txBody>
-      </p:sp>
-      <p:sp>
-        <p:nvSpPr>
-          <p:cNvPr id="3" name="コンテンツ プレースホルダー 3"/>
-          <p:cNvSpPr txBox="1">
-            <a:spLocks/>
-          </p:cNvSpPr>
-          <p:nvPr/>
-        </p:nvSpPr>
-        <p:spPr>
-          <a:xfrm>
-            <a:off x="438841" y="1067146"/>
-            <a:ext cx="11356919" cy="2233007"/>
-          </a:xfrm>
-          <a:prstGeom prst="rect">
-            <a:avLst/>
-          </a:prstGeom>
-          <a:solidFill>
-            <a:schemeClr val="accent1">
-              <a:lumMod val="20000"/>
-              <a:lumOff val="80000"/>
-            </a:schemeClr>
-          </a:solidFill>
-          <a:ln>
-            <a:solidFill>
-              <a:schemeClr val="accent1"/>
-            </a:solidFill>
-          </a:ln>
-        </p:spPr>
-        <p:txBody>
-          <a:bodyPr anchor="ctr"/>
-          <a:lstStyle>
-            <a:lvl1pPr marL="228600" indent="-228600" algn="l" defTabSz="914400" rtl="0" eaLnBrk="1" latinLnBrk="0" hangingPunct="1">
-              <a:lnSpc>
-                <a:spcPct val="90000"/>
-              </a:lnSpc>
-              <a:spcBef>
-                <a:spcPts val="1000"/>
-              </a:spcBef>
-              <a:buFont typeface="Arial" panose="020B0604020202020204" pitchFamily="34" charset="0"/>
-              <a:buChar char="•"/>
-              <a:defRPr kumimoji="1" sz="2000" kern="1200">
-                <a:solidFill>
-                  <a:schemeClr val="tx1"/>
-                </a:solidFill>
-                <a:latin typeface="Meiryo UI" panose="020B0604030504040204" pitchFamily="50" charset="-128"/>
-                <a:ea typeface="Meiryo UI" panose="020B0604030504040204" pitchFamily="50" charset="-128"/>
-                <a:cs typeface="+mn-cs"/>
-              </a:defRPr>
-            </a:lvl1pPr>
-            <a:lvl2pPr marL="685800" indent="-228600" algn="l" defTabSz="914400" rtl="0" eaLnBrk="1" latinLnBrk="0" hangingPunct="1">
-              <a:lnSpc>
-                <a:spcPct val="90000"/>
-              </a:lnSpc>
-              <a:spcBef>
-                <a:spcPts val="500"/>
-              </a:spcBef>
-              <a:buFont typeface="Arial" panose="020B0604020202020204" pitchFamily="34" charset="0"/>
-              <a:buChar char="•"/>
-              <a:defRPr kumimoji="1" sz="1800" kern="1200">
-                <a:solidFill>
-                  <a:schemeClr val="tx1"/>
-                </a:solidFill>
-                <a:latin typeface="Meiryo UI" panose="020B0604030504040204" pitchFamily="50" charset="-128"/>
-                <a:ea typeface="Meiryo UI" panose="020B0604030504040204" pitchFamily="50" charset="-128"/>
-                <a:cs typeface="+mn-cs"/>
-              </a:defRPr>
-            </a:lvl2pPr>
-            <a:lvl3pPr marL="1143000" indent="-228600" algn="l" defTabSz="914400" rtl="0" eaLnBrk="1" latinLnBrk="0" hangingPunct="1">
-              <a:lnSpc>
-                <a:spcPct val="90000"/>
-              </a:lnSpc>
-              <a:spcBef>
-                <a:spcPts val="500"/>
-              </a:spcBef>
-              <a:buFont typeface="Arial" panose="020B0604020202020204" pitchFamily="34" charset="0"/>
-              <a:buChar char="•"/>
-              <a:defRPr kumimoji="1" sz="1600" kern="1200">
-                <a:solidFill>
-                  <a:schemeClr val="tx1"/>
-                </a:solidFill>
-                <a:latin typeface="Meiryo UI" panose="020B0604030504040204" pitchFamily="50" charset="-128"/>
-                <a:ea typeface="Meiryo UI" panose="020B0604030504040204" pitchFamily="50" charset="-128"/>
-                <a:cs typeface="+mn-cs"/>
-              </a:defRPr>
-            </a:lvl3pPr>
-            <a:lvl4pPr marL="1600200" indent="-228600" algn="l" defTabSz="914400" rtl="0" eaLnBrk="1" latinLnBrk="0" hangingPunct="1">
-              <a:lnSpc>
-                <a:spcPct val="90000"/>
-              </a:lnSpc>
-              <a:spcBef>
-                <a:spcPts val="500"/>
-              </a:spcBef>
-              <a:buFont typeface="Arial" panose="020B0604020202020204" pitchFamily="34" charset="0"/>
-              <a:buChar char="•"/>
-              <a:defRPr kumimoji="1" sz="1400" kern="1200">
-                <a:solidFill>
-                  <a:schemeClr val="tx1"/>
-                </a:solidFill>
-                <a:latin typeface="Meiryo UI" panose="020B0604030504040204" pitchFamily="50" charset="-128"/>
-                <a:ea typeface="Meiryo UI" panose="020B0604030504040204" pitchFamily="50" charset="-128"/>
-                <a:cs typeface="+mn-cs"/>
-              </a:defRPr>
-            </a:lvl4pPr>
-            <a:lvl5pPr marL="2057400" indent="-228600" algn="l" defTabSz="914400" rtl="0" eaLnBrk="1" latinLnBrk="0" hangingPunct="1">
-              <a:lnSpc>
-                <a:spcPct val="90000"/>
-              </a:lnSpc>
-              <a:spcBef>
-                <a:spcPts val="500"/>
-              </a:spcBef>
-              <a:buFont typeface="Arial" panose="020B0604020202020204" pitchFamily="34" charset="0"/>
-              <a:buChar char="•"/>
-              <a:defRPr kumimoji="1" sz="1200" kern="1200">
-                <a:solidFill>
-                  <a:schemeClr val="tx1"/>
-                </a:solidFill>
-                <a:latin typeface="Meiryo UI" panose="020B0604030504040204" pitchFamily="50" charset="-128"/>
-                <a:ea typeface="Meiryo UI" panose="020B0604030504040204" pitchFamily="50" charset="-128"/>
-                <a:cs typeface="+mn-cs"/>
-              </a:defRPr>
-            </a:lvl5pPr>
-            <a:lvl6pPr marL="2514600" indent="-228600" algn="l" defTabSz="914400" rtl="0" eaLnBrk="1" latinLnBrk="0" hangingPunct="1">
-              <a:lnSpc>
-                <a:spcPct val="90000"/>
-              </a:lnSpc>
-              <a:spcBef>
-                <a:spcPts val="500"/>
-              </a:spcBef>
-              <a:buFont typeface="Arial" panose="020B0604020202020204" pitchFamily="34" charset="0"/>
-              <a:buChar char="•"/>
-              <a:defRPr kumimoji="1" sz="1800" kern="1200">
-                <a:solidFill>
-                  <a:schemeClr val="tx1"/>
-                </a:solidFill>
-                <a:latin typeface="+mn-lt"/>
-                <a:ea typeface="+mn-ea"/>
-                <a:cs typeface="+mn-cs"/>
-              </a:defRPr>
-            </a:lvl6pPr>
-            <a:lvl7pPr marL="2971800" indent="-228600" algn="l" defTabSz="914400" rtl="0" eaLnBrk="1" latinLnBrk="0" hangingPunct="1">
-              <a:lnSpc>
-                <a:spcPct val="90000"/>
-              </a:lnSpc>
-              <a:spcBef>
-                <a:spcPts val="500"/>
-              </a:spcBef>
-              <a:buFont typeface="Arial" panose="020B0604020202020204" pitchFamily="34" charset="0"/>
-              <a:buChar char="•"/>
-              <a:defRPr kumimoji="1" sz="1800" kern="1200">
-                <a:solidFill>
-                  <a:schemeClr val="tx1"/>
-                </a:solidFill>
-                <a:latin typeface="+mn-lt"/>
-                <a:ea typeface="+mn-ea"/>
-                <a:cs typeface="+mn-cs"/>
-              </a:defRPr>
-            </a:lvl7pPr>
-            <a:lvl8pPr marL="3429000" indent="-228600" algn="l" defTabSz="914400" rtl="0" eaLnBrk="1" latinLnBrk="0" hangingPunct="1">
-              <a:lnSpc>
-                <a:spcPct val="90000"/>
-              </a:lnSpc>
-              <a:spcBef>
-                <a:spcPts val="500"/>
-              </a:spcBef>
-              <a:buFont typeface="Arial" panose="020B0604020202020204" pitchFamily="34" charset="0"/>
-              <a:buChar char="•"/>
-              <a:defRPr kumimoji="1" sz="1800" kern="1200">
-                <a:solidFill>
-                  <a:schemeClr val="tx1"/>
-                </a:solidFill>
-                <a:latin typeface="+mn-lt"/>
-                <a:ea typeface="+mn-ea"/>
-                <a:cs typeface="+mn-cs"/>
-              </a:defRPr>
-            </a:lvl8pPr>
-            <a:lvl9pPr marL="3886200" indent="-228600" algn="l" defTabSz="914400" rtl="0" eaLnBrk="1" latinLnBrk="0" hangingPunct="1">
-              <a:lnSpc>
-                <a:spcPct val="90000"/>
-              </a:lnSpc>
-              <a:spcBef>
-                <a:spcPts val="500"/>
-              </a:spcBef>
-              <a:buFont typeface="Arial" panose="020B0604020202020204" pitchFamily="34" charset="0"/>
-              <a:buChar char="•"/>
-              <a:defRPr kumimoji="1" sz="1800" kern="1200">
-                <a:solidFill>
-                  <a:schemeClr val="tx1"/>
-                </a:solidFill>
-                <a:latin typeface="+mn-lt"/>
-                <a:ea typeface="+mn-ea"/>
-                <a:cs typeface="+mn-cs"/>
-              </a:defRPr>
-            </a:lvl9pPr>
-          </a:lstStyle>
-          <a:p>
-            <a:pPr marL="0" indent="0">
-              <a:buNone/>
-            </a:pPr>
-            <a:r>
-              <a:rPr lang="en-US" altLang="ja-JP" dirty="0" smtClean="0"/>
-              <a:t>React</a:t>
-            </a:r>
-            <a:r>
-              <a:rPr lang="ja-JP" altLang="en-US" dirty="0" smtClean="0"/>
-              <a:t>のプログラムを書くには、プログラミングに特化したテキストエディターを使いましょう。</a:t>
-            </a:r>
-            <a:endParaRPr lang="en-US" altLang="ja-JP" dirty="0" smtClean="0"/>
-          </a:p>
-          <a:p>
-            <a:pPr marL="0" indent="0">
-              <a:buNone/>
-            </a:pPr>
-            <a:r>
-              <a:rPr lang="ja-JP" altLang="en-US" dirty="0" smtClean="0"/>
-              <a:t>以下のテキストエディターがおすすめです。</a:t>
-            </a:r>
-            <a:endParaRPr lang="en-US" altLang="ja-JP" dirty="0" smtClean="0"/>
-          </a:p>
-          <a:p>
-            <a:pPr marL="0" indent="0">
-              <a:buNone/>
-            </a:pPr>
-            <a:r>
-              <a:rPr lang="en-US" altLang="ja-JP" dirty="0" smtClean="0"/>
-              <a:t>Visual </a:t>
-            </a:r>
-            <a:r>
-              <a:rPr lang="en-US" altLang="ja-JP" dirty="0"/>
-              <a:t>Studio Code(</a:t>
-            </a:r>
-            <a:r>
-              <a:rPr lang="en-US" altLang="ja-JP" dirty="0">
-                <a:hlinkClick r:id="rId2"/>
-              </a:rPr>
-              <a:t>https://</a:t>
-            </a:r>
-            <a:r>
-              <a:rPr lang="en-US" altLang="ja-JP" dirty="0" smtClean="0">
-                <a:hlinkClick r:id="rId2"/>
-              </a:rPr>
-              <a:t>code.visualstudio.com/Download</a:t>
-            </a:r>
-            <a:r>
-              <a:rPr lang="en-US" altLang="ja-JP" dirty="0" smtClean="0"/>
-              <a:t>)</a:t>
-            </a:r>
-          </a:p>
-          <a:p>
-            <a:pPr marL="0" indent="0">
-              <a:buNone/>
-            </a:pPr>
-            <a:r>
-              <a:rPr lang="ja-JP" altLang="en-US" dirty="0" smtClean="0"/>
-              <a:t>　・</a:t>
-            </a:r>
-            <a:r>
-              <a:rPr lang="en-US" altLang="ja-JP" dirty="0" smtClean="0"/>
-              <a:t>MicroSoft</a:t>
-            </a:r>
-            <a:r>
-              <a:rPr lang="ja-JP" altLang="en-US" dirty="0" smtClean="0"/>
-              <a:t>が開発したオープンソースのプログラミング向けエディターで、無料で使用できる。</a:t>
-            </a:r>
-            <a:endParaRPr lang="en-US" altLang="ja-JP" dirty="0" smtClean="0"/>
-          </a:p>
-          <a:p>
-            <a:pPr marL="0" indent="0">
-              <a:buNone/>
-            </a:pPr>
-            <a:r>
-              <a:rPr lang="ja-JP" altLang="en-US" dirty="0" smtClean="0"/>
-              <a:t>　・拡張機能（パッケージ）を入れなくても、最初から充実した機能を持っている。</a:t>
-            </a:r>
-            <a:endParaRPr lang="en-US" altLang="ja-JP" dirty="0" smtClean="0"/>
-          </a:p>
-        </p:txBody>
-      </p:sp>
-      <p:sp>
-        <p:nvSpPr>
-          <p:cNvPr id="4" name="コンテンツ プレースホルダー 3"/>
-          <p:cNvSpPr txBox="1">
-            <a:spLocks/>
-          </p:cNvSpPr>
-          <p:nvPr/>
-        </p:nvSpPr>
-        <p:spPr>
-          <a:xfrm>
-            <a:off x="438840" y="3688427"/>
-            <a:ext cx="11356919" cy="1041516"/>
-          </a:xfrm>
-          <a:prstGeom prst="rect">
-            <a:avLst/>
-          </a:prstGeom>
-          <a:solidFill>
-            <a:schemeClr val="accent1">
-              <a:lumMod val="20000"/>
-              <a:lumOff val="80000"/>
-            </a:schemeClr>
-          </a:solidFill>
-          <a:ln>
-            <a:solidFill>
-              <a:schemeClr val="accent1"/>
-            </a:solidFill>
-          </a:ln>
-        </p:spPr>
-        <p:txBody>
-          <a:bodyPr anchor="ctr"/>
-          <a:lstStyle>
-            <a:lvl1pPr marL="228600" indent="-228600" algn="l" defTabSz="914400" rtl="0" eaLnBrk="1" latinLnBrk="0" hangingPunct="1">
-              <a:lnSpc>
-                <a:spcPct val="90000"/>
-              </a:lnSpc>
-              <a:spcBef>
-                <a:spcPts val="1000"/>
-              </a:spcBef>
-              <a:buFont typeface="Arial" panose="020B0604020202020204" pitchFamily="34" charset="0"/>
-              <a:buChar char="•"/>
-              <a:defRPr kumimoji="1" sz="2000" kern="1200">
-                <a:solidFill>
-                  <a:schemeClr val="tx1"/>
-                </a:solidFill>
-                <a:latin typeface="Meiryo UI" panose="020B0604030504040204" pitchFamily="50" charset="-128"/>
-                <a:ea typeface="Meiryo UI" panose="020B0604030504040204" pitchFamily="50" charset="-128"/>
-                <a:cs typeface="+mn-cs"/>
-              </a:defRPr>
-            </a:lvl1pPr>
-            <a:lvl2pPr marL="685800" indent="-228600" algn="l" defTabSz="914400" rtl="0" eaLnBrk="1" latinLnBrk="0" hangingPunct="1">
-              <a:lnSpc>
-                <a:spcPct val="90000"/>
-              </a:lnSpc>
-              <a:spcBef>
-                <a:spcPts val="500"/>
-              </a:spcBef>
-              <a:buFont typeface="Arial" panose="020B0604020202020204" pitchFamily="34" charset="0"/>
-              <a:buChar char="•"/>
-              <a:defRPr kumimoji="1" sz="1800" kern="1200">
-                <a:solidFill>
-                  <a:schemeClr val="tx1"/>
-                </a:solidFill>
-                <a:latin typeface="Meiryo UI" panose="020B0604030504040204" pitchFamily="50" charset="-128"/>
-                <a:ea typeface="Meiryo UI" panose="020B0604030504040204" pitchFamily="50" charset="-128"/>
-                <a:cs typeface="+mn-cs"/>
-              </a:defRPr>
-            </a:lvl2pPr>
-            <a:lvl3pPr marL="1143000" indent="-228600" algn="l" defTabSz="914400" rtl="0" eaLnBrk="1" latinLnBrk="0" hangingPunct="1">
-              <a:lnSpc>
-                <a:spcPct val="90000"/>
-              </a:lnSpc>
-              <a:spcBef>
-                <a:spcPts val="500"/>
-              </a:spcBef>
-              <a:buFont typeface="Arial" panose="020B0604020202020204" pitchFamily="34" charset="0"/>
-              <a:buChar char="•"/>
-              <a:defRPr kumimoji="1" sz="1600" kern="1200">
-                <a:solidFill>
-                  <a:schemeClr val="tx1"/>
-                </a:solidFill>
-                <a:latin typeface="Meiryo UI" panose="020B0604030504040204" pitchFamily="50" charset="-128"/>
-                <a:ea typeface="Meiryo UI" panose="020B0604030504040204" pitchFamily="50" charset="-128"/>
-                <a:cs typeface="+mn-cs"/>
-              </a:defRPr>
-            </a:lvl3pPr>
-            <a:lvl4pPr marL="1600200" indent="-228600" algn="l" defTabSz="914400" rtl="0" eaLnBrk="1" latinLnBrk="0" hangingPunct="1">
-              <a:lnSpc>
-                <a:spcPct val="90000"/>
-              </a:lnSpc>
-              <a:spcBef>
-                <a:spcPts val="500"/>
-              </a:spcBef>
-              <a:buFont typeface="Arial" panose="020B0604020202020204" pitchFamily="34" charset="0"/>
-              <a:buChar char="•"/>
-              <a:defRPr kumimoji="1" sz="1400" kern="1200">
-                <a:solidFill>
-                  <a:schemeClr val="tx1"/>
-                </a:solidFill>
-                <a:latin typeface="Meiryo UI" panose="020B0604030504040204" pitchFamily="50" charset="-128"/>
-                <a:ea typeface="Meiryo UI" panose="020B0604030504040204" pitchFamily="50" charset="-128"/>
-                <a:cs typeface="+mn-cs"/>
-              </a:defRPr>
-            </a:lvl4pPr>
-            <a:lvl5pPr marL="2057400" indent="-228600" algn="l" defTabSz="914400" rtl="0" eaLnBrk="1" latinLnBrk="0" hangingPunct="1">
-              <a:lnSpc>
-                <a:spcPct val="90000"/>
-              </a:lnSpc>
-              <a:spcBef>
-                <a:spcPts val="500"/>
-              </a:spcBef>
-              <a:buFont typeface="Arial" panose="020B0604020202020204" pitchFamily="34" charset="0"/>
-              <a:buChar char="•"/>
-              <a:defRPr kumimoji="1" sz="1200" kern="1200">
-                <a:solidFill>
-                  <a:schemeClr val="tx1"/>
-                </a:solidFill>
-                <a:latin typeface="Meiryo UI" panose="020B0604030504040204" pitchFamily="50" charset="-128"/>
-                <a:ea typeface="Meiryo UI" panose="020B0604030504040204" pitchFamily="50" charset="-128"/>
-                <a:cs typeface="+mn-cs"/>
-              </a:defRPr>
-            </a:lvl5pPr>
-            <a:lvl6pPr marL="2514600" indent="-228600" algn="l" defTabSz="914400" rtl="0" eaLnBrk="1" latinLnBrk="0" hangingPunct="1">
-              <a:lnSpc>
-                <a:spcPct val="90000"/>
-              </a:lnSpc>
-              <a:spcBef>
-                <a:spcPts val="500"/>
-              </a:spcBef>
-              <a:buFont typeface="Arial" panose="020B0604020202020204" pitchFamily="34" charset="0"/>
-              <a:buChar char="•"/>
-              <a:defRPr kumimoji="1" sz="1800" kern="1200">
-                <a:solidFill>
-                  <a:schemeClr val="tx1"/>
-                </a:solidFill>
-                <a:latin typeface="+mn-lt"/>
-                <a:ea typeface="+mn-ea"/>
-                <a:cs typeface="+mn-cs"/>
-              </a:defRPr>
-            </a:lvl6pPr>
-            <a:lvl7pPr marL="2971800" indent="-228600" algn="l" defTabSz="914400" rtl="0" eaLnBrk="1" latinLnBrk="0" hangingPunct="1">
-              <a:lnSpc>
-                <a:spcPct val="90000"/>
-              </a:lnSpc>
-              <a:spcBef>
-                <a:spcPts val="500"/>
-              </a:spcBef>
-              <a:buFont typeface="Arial" panose="020B0604020202020204" pitchFamily="34" charset="0"/>
-              <a:buChar char="•"/>
-              <a:defRPr kumimoji="1" sz="1800" kern="1200">
-                <a:solidFill>
-                  <a:schemeClr val="tx1"/>
-                </a:solidFill>
-                <a:latin typeface="+mn-lt"/>
-                <a:ea typeface="+mn-ea"/>
-                <a:cs typeface="+mn-cs"/>
-              </a:defRPr>
-            </a:lvl7pPr>
-            <a:lvl8pPr marL="3429000" indent="-228600" algn="l" defTabSz="914400" rtl="0" eaLnBrk="1" latinLnBrk="0" hangingPunct="1">
-              <a:lnSpc>
-                <a:spcPct val="90000"/>
-              </a:lnSpc>
-              <a:spcBef>
-                <a:spcPts val="500"/>
-              </a:spcBef>
-              <a:buFont typeface="Arial" panose="020B0604020202020204" pitchFamily="34" charset="0"/>
-              <a:buChar char="•"/>
-              <a:defRPr kumimoji="1" sz="1800" kern="1200">
-                <a:solidFill>
-                  <a:schemeClr val="tx1"/>
-                </a:solidFill>
-                <a:latin typeface="+mn-lt"/>
-                <a:ea typeface="+mn-ea"/>
-                <a:cs typeface="+mn-cs"/>
-              </a:defRPr>
-            </a:lvl8pPr>
-            <a:lvl9pPr marL="3886200" indent="-228600" algn="l" defTabSz="914400" rtl="0" eaLnBrk="1" latinLnBrk="0" hangingPunct="1">
-              <a:lnSpc>
-                <a:spcPct val="90000"/>
-              </a:lnSpc>
-              <a:spcBef>
-                <a:spcPts val="500"/>
-              </a:spcBef>
-              <a:buFont typeface="Arial" panose="020B0604020202020204" pitchFamily="34" charset="0"/>
-              <a:buChar char="•"/>
-              <a:defRPr kumimoji="1" sz="1800" kern="1200">
-                <a:solidFill>
-                  <a:schemeClr val="tx1"/>
-                </a:solidFill>
-                <a:latin typeface="+mn-lt"/>
-                <a:ea typeface="+mn-ea"/>
-                <a:cs typeface="+mn-cs"/>
-              </a:defRPr>
-            </a:lvl9pPr>
-          </a:lstStyle>
-          <a:p>
-            <a:pPr marL="0" indent="0">
-              <a:buNone/>
-            </a:pPr>
-            <a:r>
-              <a:rPr lang="ja-JP" altLang="en-US" dirty="0" smtClean="0"/>
-              <a:t>ブラウザは、開発用機能が使いやすい</a:t>
-            </a:r>
-            <a:r>
-              <a:rPr lang="en-US" altLang="ja-JP" dirty="0" smtClean="0"/>
-              <a:t>Google Chrome</a:t>
-            </a:r>
-            <a:r>
-              <a:rPr lang="ja-JP" altLang="en-US" dirty="0" smtClean="0"/>
-              <a:t>を使用しましょう。</a:t>
-            </a:r>
-            <a:endParaRPr lang="en-US" altLang="ja-JP" dirty="0" smtClean="0"/>
-          </a:p>
-          <a:p>
-            <a:pPr marL="0" indent="0">
-              <a:buNone/>
-            </a:pPr>
-            <a:r>
-              <a:rPr lang="ja-JP" altLang="en-US" dirty="0" smtClean="0"/>
-              <a:t>開発ツールには</a:t>
-            </a:r>
-            <a:r>
-              <a:rPr lang="en-US" altLang="ja-JP" dirty="0" smtClean="0"/>
-              <a:t>Console</a:t>
-            </a:r>
-            <a:r>
-              <a:rPr lang="ja-JP" altLang="en-US" dirty="0" err="1" smtClean="0"/>
-              <a:t>、</a:t>
-            </a:r>
-            <a:r>
-              <a:rPr lang="en-US" altLang="ja-JP" dirty="0" smtClean="0"/>
-              <a:t>Source</a:t>
-            </a:r>
-            <a:r>
-              <a:rPr lang="ja-JP" altLang="en-US" dirty="0" smtClean="0"/>
-              <a:t>タブなどがあり、</a:t>
-            </a:r>
-            <a:r>
-              <a:rPr lang="en-US" altLang="ja-JP" dirty="0" smtClean="0"/>
-              <a:t>JavaScript</a:t>
-            </a:r>
-            <a:r>
-              <a:rPr lang="ja-JP" altLang="en-US" dirty="0" smtClean="0"/>
-              <a:t>のデバッグによく使われます。</a:t>
-            </a:r>
-            <a:endParaRPr lang="en-US" altLang="ja-JP" dirty="0" smtClean="0"/>
-          </a:p>
-        </p:txBody>
-      </p:sp>
-    </p:spTree>
-    <p:extLst>
-      <p:ext uri="{BB962C8B-B14F-4D97-AF65-F5344CB8AC3E}">
-        <p14:creationId xmlns:p14="http://schemas.microsoft.com/office/powerpoint/2010/main" val="2583661018"/>
       </p:ext>
     </p:extLst>
   </p:cSld>
@@ -5717,7 +3267,7 @@
           <p:cNvPr id="2" name="タイトル 1">
             <a:extLst>
               <a:ext uri="{FF2B5EF4-FFF2-40B4-BE49-F238E27FC236}">
-                <a16:creationId xmlns:a16="http://schemas.microsoft.com/office/drawing/2014/main" xmlns="" id="{CE9C4723-849E-4189-BCAE-2B79E708A85A}"/>
+                <a16:creationId xmlns="" xmlns:a16="http://schemas.microsoft.com/office/drawing/2014/main" id="{CE9C4723-849E-4189-BCAE-2B79E708A85A}"/>
               </a:ext>
             </a:extLst>
           </p:cNvPr>
@@ -5758,7 +3308,7 @@
           <p:cNvPr id="4" name="コンテンツ プレースホルダー 3">
             <a:extLst>
               <a:ext uri="{FF2B5EF4-FFF2-40B4-BE49-F238E27FC236}">
-                <a16:creationId xmlns:a16="http://schemas.microsoft.com/office/drawing/2014/main" xmlns="" id="{5D7B870A-EE38-4390-92D0-2B9EE583F7F4}"/>
+                <a16:creationId xmlns="" xmlns:a16="http://schemas.microsoft.com/office/drawing/2014/main" id="{5D7B870A-EE38-4390-92D0-2B9EE583F7F4}"/>
               </a:ext>
             </a:extLst>
           </p:cNvPr>
@@ -5926,7 +3476,7 @@
           <p:cNvPr id="8" name="コンテンツ プレースホルダー 3">
             <a:extLst>
               <a:ext uri="{FF2B5EF4-FFF2-40B4-BE49-F238E27FC236}">
-                <a16:creationId xmlns:a16="http://schemas.microsoft.com/office/drawing/2014/main" xmlns="" id="{5D7B870A-EE38-4390-92D0-2B9EE583F7F4}"/>
+                <a16:creationId xmlns="" xmlns:a16="http://schemas.microsoft.com/office/drawing/2014/main" id="{5D7B870A-EE38-4390-92D0-2B9EE583F7F4}"/>
               </a:ext>
             </a:extLst>
           </p:cNvPr>
@@ -6538,40 +4088,15 @@
                   <a:schemeClr val="bg1"/>
                 </a:solidFill>
               </a:rPr>
-              <a:t> install -g create-react-app</a:t>
-            </a:r>
-          </a:p>
-          <a:p>
-            <a:pPr marL="285750" indent="-285750">
-              <a:buClr>
-                <a:schemeClr val="bg1"/>
-              </a:buClr>
-              <a:buFont typeface="Wingdings" panose="05000000000000000000" pitchFamily="2" charset="2"/>
-              <a:buChar char="ü"/>
-            </a:pPr>
-            <a:r>
-              <a:rPr lang="en-US" altLang="ja-JP" dirty="0" err="1" smtClean="0">
+              <a:t> install -g </a:t>
+            </a:r>
+            <a:r>
+              <a:rPr lang="en-US" altLang="ja-JP" dirty="0" smtClean="0">
                 <a:solidFill>
                   <a:schemeClr val="bg1"/>
                 </a:solidFill>
               </a:rPr>
-              <a:t>npm</a:t>
-            </a:r>
-            <a:r>
-              <a:rPr lang="en-US" altLang="ja-JP" dirty="0" smtClean="0">
-                <a:solidFill>
-                  <a:schemeClr val="bg1"/>
-                </a:solidFill>
-              </a:rPr>
-              <a:t> install -g </a:t>
-            </a:r>
-            <a:r>
-              <a:rPr lang="en-US" altLang="ja-JP" dirty="0" err="1" smtClean="0">
-                <a:solidFill>
-                  <a:schemeClr val="bg1"/>
-                </a:solidFill>
-              </a:rPr>
-              <a:t>cordova</a:t>
+              <a:t>create-react-app</a:t>
             </a:r>
             <a:endParaRPr lang="en-US" altLang="ja-JP" dirty="0" smtClean="0">
               <a:solidFill>
@@ -6657,41 +4182,13 @@
                   <a:schemeClr val="bg1"/>
                 </a:solidFill>
               </a:rPr>
-              <a:t>–V</a:t>
-            </a:r>
-          </a:p>
-          <a:p>
-            <a:pPr marL="285750" indent="-285750">
-              <a:buClr>
+              <a:t>–v</a:t>
+            </a:r>
+            <a:endParaRPr lang="en-US" altLang="ja-JP" dirty="0" smtClean="0">
+              <a:solidFill>
                 <a:schemeClr val="bg1"/>
-              </a:buClr>
-              <a:buFont typeface="Wingdings" panose="05000000000000000000" pitchFamily="2" charset="2"/>
-              <a:buChar char="ü"/>
-            </a:pPr>
-            <a:r>
-              <a:rPr lang="en-US" altLang="ja-JP" dirty="0" err="1">
-                <a:solidFill>
-                  <a:schemeClr val="bg1"/>
-                </a:solidFill>
-              </a:rPr>
-              <a:t>c</a:t>
-            </a:r>
-            <a:r>
-              <a:rPr lang="en-US" altLang="ja-JP" dirty="0" err="1" smtClean="0">
-                <a:solidFill>
-                  <a:schemeClr val="bg1"/>
-                </a:solidFill>
-              </a:rPr>
-              <a:t>ordova</a:t>
-            </a:r>
-            <a:r>
-              <a:rPr lang="en-US" altLang="ja-JP" dirty="0" smtClean="0">
-                <a:solidFill>
-                  <a:schemeClr val="bg1"/>
-                </a:solidFill>
-              </a:rPr>
-              <a:t> -v</a:t>
-            </a:r>
+              </a:solidFill>
+            </a:endParaRPr>
           </a:p>
         </p:txBody>
       </p:sp>
@@ -7350,8 +4847,21 @@
                   <a:schemeClr val="bg1"/>
                 </a:solidFill>
               </a:rPr>
-              <a:t>create-react-app tutorial</a:t>
-            </a:r>
+              <a:t>create-react-app </a:t>
+            </a:r>
+            <a:r>
+              <a:rPr lang="ja-JP" altLang="en-US" dirty="0" smtClean="0">
+                <a:solidFill>
+                  <a:schemeClr val="bg1"/>
+                </a:solidFill>
+              </a:rPr>
+              <a:t>プロジェクト名</a:t>
+            </a:r>
+            <a:endParaRPr lang="en-US" altLang="ja-JP" dirty="0" smtClean="0">
+              <a:solidFill>
+                <a:schemeClr val="bg1"/>
+              </a:solidFill>
+            </a:endParaRPr>
           </a:p>
           <a:p>
             <a:pPr marL="285750" indent="-285750">
@@ -7367,8 +4877,29 @@
                   <a:schemeClr val="bg1"/>
                 </a:solidFill>
               </a:rPr>
-              <a:t>cd tutorial</a:t>
-            </a:r>
+              <a:t>cd </a:t>
+            </a:r>
+            <a:r>
+              <a:rPr lang="ja-JP" altLang="en-US" dirty="0" smtClean="0">
+                <a:solidFill>
+                  <a:schemeClr val="bg1"/>
+                </a:solidFill>
+              </a:rPr>
+              <a:t>プロジェクト</a:t>
+            </a:r>
+            <a:r>
+              <a:rPr lang="ja-JP" altLang="en-US" dirty="0">
+                <a:solidFill>
+                  <a:schemeClr val="bg1"/>
+                </a:solidFill>
+              </a:rPr>
+              <a:t>名</a:t>
+            </a:r>
+            <a:endParaRPr lang="en-US" altLang="ja-JP" dirty="0" smtClean="0">
+              <a:solidFill>
+                <a:schemeClr val="bg1"/>
+              </a:solidFill>
+            </a:endParaRPr>
           </a:p>
           <a:p>
             <a:pPr marL="285750" indent="-285750">
@@ -7515,27 +5046,21 @@
                 </a:schemeClr>
               </a:buClr>
             </a:pPr>
-            <a:endParaRPr lang="en-US" altLang="ja-JP" dirty="0">
-              <a:solidFill>
-                <a:schemeClr val="tx1"/>
-              </a:solidFill>
-            </a:endParaRPr>
-          </a:p>
-          <a:p>
-            <a:pPr>
-              <a:buClr>
-                <a:schemeClr val="accent1">
-                  <a:lumMod val="75000"/>
-                </a:schemeClr>
-              </a:buClr>
-            </a:pPr>
             <a:r>
               <a:rPr lang="en-US" altLang="ja-JP" dirty="0" smtClean="0">
                 <a:solidFill>
                   <a:schemeClr val="tx1"/>
                 </a:solidFill>
               </a:rPr>
-              <a:t>create-react-app </a:t>
+              <a:t>create-react-app</a:t>
+            </a:r>
+            <a:r>
+              <a:rPr lang="ja-JP" altLang="en-US" dirty="0" err="1" smtClean="0">
+                <a:solidFill>
+                  <a:schemeClr val="tx1"/>
+                </a:solidFill>
+              </a:rPr>
+              <a:t>は簡</a:t>
             </a:r>
             <a:r>
               <a:rPr lang="ja-JP" altLang="en-US" dirty="0" smtClean="0">
@@ -7543,93 +5068,7 @@
                   <a:schemeClr val="tx1"/>
                 </a:solidFill>
               </a:rPr>
-              <a:t>で作成したプロジェクトの</a:t>
-            </a:r>
-            <a:r>
-              <a:rPr lang="en-US" altLang="ja-JP" dirty="0" err="1" smtClean="0">
-                <a:solidFill>
-                  <a:schemeClr val="tx1"/>
-                </a:solidFill>
-              </a:rPr>
-              <a:t>pacage.json</a:t>
-            </a:r>
-            <a:r>
-              <a:rPr lang="ja-JP" altLang="en-US" dirty="0" smtClean="0">
-                <a:solidFill>
-                  <a:schemeClr val="tx1"/>
-                </a:solidFill>
-              </a:rPr>
-              <a:t>には、</a:t>
-            </a:r>
-            <a:r>
-              <a:rPr lang="en-US" altLang="ja-JP" dirty="0" smtClean="0">
-                <a:solidFill>
-                  <a:schemeClr val="tx1"/>
-                </a:solidFill>
-              </a:rPr>
-              <a:t>create-react-app</a:t>
-            </a:r>
-            <a:r>
-              <a:rPr lang="ja-JP" altLang="en-US" dirty="0" smtClean="0">
-                <a:solidFill>
-                  <a:schemeClr val="tx1"/>
-                </a:solidFill>
-              </a:rPr>
-              <a:t>で必要なモジュールが足りない。</a:t>
-            </a:r>
-            <a:endParaRPr lang="en-US" altLang="ja-JP" dirty="0" smtClean="0">
-              <a:solidFill>
-                <a:schemeClr val="tx1"/>
-              </a:solidFill>
-            </a:endParaRPr>
-          </a:p>
-          <a:p>
-            <a:pPr>
-              <a:buClr>
-                <a:schemeClr val="accent1">
-                  <a:lumMod val="75000"/>
-                </a:schemeClr>
-              </a:buClr>
-            </a:pPr>
-            <a:r>
-              <a:rPr lang="ja-JP" altLang="en-US" dirty="0" smtClean="0">
-                <a:solidFill>
-                  <a:schemeClr val="tx1"/>
-                </a:solidFill>
-              </a:rPr>
-              <a:t>そのため、追加でモジュールをインストールした場合、</a:t>
-            </a:r>
-            <a:r>
-              <a:rPr lang="en-US" altLang="ja-JP" dirty="0" smtClean="0">
-                <a:solidFill>
-                  <a:schemeClr val="tx1"/>
-                </a:solidFill>
-              </a:rPr>
-              <a:t>create-react-app</a:t>
-            </a:r>
-            <a:r>
-              <a:rPr lang="ja-JP" altLang="en-US" dirty="0" smtClean="0">
-                <a:solidFill>
-                  <a:schemeClr val="tx1"/>
-                </a:solidFill>
-              </a:rPr>
-              <a:t>で必要なモジュールが消えて、</a:t>
-            </a:r>
-            <a:r>
-              <a:rPr lang="en-US" altLang="ja-JP" dirty="0" smtClean="0">
-                <a:solidFill>
-                  <a:schemeClr val="tx1"/>
-                </a:solidFill>
-              </a:rPr>
-              <a:t>build</a:t>
-            </a:r>
-            <a:r>
-              <a:rPr lang="ja-JP" altLang="en-US" dirty="0" smtClean="0">
-                <a:solidFill>
-                  <a:schemeClr val="tx1"/>
-                </a:solidFill>
-              </a:rPr>
-              <a:t>エラーとなる。</a:t>
+              <a:t>単に環境を構築できるが、デフォルトの設定を簡単にカスタマイズできないようになっている。</a:t>
             </a:r>
             <a:endParaRPr lang="en-US" altLang="ja-JP" dirty="0" smtClean="0">
               <a:solidFill>
@@ -7660,6 +5099,144 @@
               </a:buClr>
             </a:pPr>
             <a:r>
+              <a:rPr lang="en-US" altLang="ja-JP" dirty="0" smtClean="0">
+                <a:solidFill>
+                  <a:schemeClr val="tx1"/>
+                </a:solidFill>
+              </a:rPr>
+              <a:t>create-react-app</a:t>
+            </a:r>
+            <a:r>
+              <a:rPr lang="ja-JP" altLang="en-US" dirty="0" smtClean="0">
+                <a:solidFill>
+                  <a:schemeClr val="tx1"/>
+                </a:solidFill>
+              </a:rPr>
+              <a:t>で</a:t>
+            </a:r>
+            <a:r>
+              <a:rPr lang="ja-JP" altLang="en-US" dirty="0" smtClean="0">
+                <a:solidFill>
+                  <a:schemeClr val="tx1"/>
+                </a:solidFill>
+              </a:rPr>
+              <a:t>作成したプロジェクトの</a:t>
+            </a:r>
+            <a:r>
+              <a:rPr lang="en-US" altLang="ja-JP" dirty="0" err="1" smtClean="0">
+                <a:solidFill>
+                  <a:schemeClr val="tx1"/>
+                </a:solidFill>
+              </a:rPr>
+              <a:t>pacage.json</a:t>
+            </a:r>
+            <a:r>
+              <a:rPr lang="ja-JP" altLang="en-US" dirty="0" smtClean="0">
+                <a:solidFill>
+                  <a:schemeClr val="tx1"/>
+                </a:solidFill>
+              </a:rPr>
+              <a:t>には、</a:t>
+            </a:r>
+            <a:r>
+              <a:rPr lang="en-US" altLang="ja-JP" dirty="0" smtClean="0">
+                <a:solidFill>
+                  <a:schemeClr val="tx1"/>
+                </a:solidFill>
+              </a:rPr>
+              <a:t>create-react-app</a:t>
+            </a:r>
+            <a:r>
+              <a:rPr lang="ja-JP" altLang="en-US" dirty="0" smtClean="0">
+                <a:solidFill>
+                  <a:schemeClr val="tx1"/>
+                </a:solidFill>
+              </a:rPr>
+              <a:t>で必要なモジュールが足りない。</a:t>
+            </a:r>
+            <a:endParaRPr lang="en-US" altLang="ja-JP" dirty="0" smtClean="0">
+              <a:solidFill>
+                <a:schemeClr val="tx1"/>
+              </a:solidFill>
+            </a:endParaRPr>
+          </a:p>
+          <a:p>
+            <a:pPr>
+              <a:buClr>
+                <a:schemeClr val="accent1">
+                  <a:lumMod val="75000"/>
+                </a:schemeClr>
+              </a:buClr>
+            </a:pPr>
+            <a:r>
+              <a:rPr lang="ja-JP" altLang="en-US" dirty="0" smtClean="0">
+                <a:solidFill>
+                  <a:schemeClr val="tx1"/>
+                </a:solidFill>
+              </a:rPr>
+              <a:t>そのため、追加でモジュールをインストールした場合、</a:t>
+            </a:r>
+            <a:r>
+              <a:rPr lang="en-US" altLang="ja-JP" dirty="0" smtClean="0">
+                <a:solidFill>
+                  <a:schemeClr val="tx1"/>
+                </a:solidFill>
+              </a:rPr>
+              <a:t>create-react-app</a:t>
+            </a:r>
+            <a:r>
+              <a:rPr lang="ja-JP" altLang="en-US" dirty="0" smtClean="0">
+                <a:solidFill>
+                  <a:schemeClr val="tx1"/>
+                </a:solidFill>
+              </a:rPr>
+              <a:t>で必要なモジュールが消えて、</a:t>
+            </a:r>
+            <a:r>
+              <a:rPr lang="en-US" altLang="ja-JP" dirty="0" smtClean="0">
+                <a:solidFill>
+                  <a:schemeClr val="tx1"/>
+                </a:solidFill>
+              </a:rPr>
+              <a:t>build</a:t>
+            </a:r>
+            <a:r>
+              <a:rPr lang="ja-JP" altLang="en-US" dirty="0" smtClean="0">
+                <a:solidFill>
+                  <a:schemeClr val="tx1"/>
+                </a:solidFill>
+              </a:rPr>
+              <a:t>エラーとなる。</a:t>
+            </a:r>
+            <a:endParaRPr lang="en-US" altLang="ja-JP" dirty="0" smtClean="0">
+              <a:solidFill>
+                <a:schemeClr val="tx1"/>
+              </a:solidFill>
+            </a:endParaRPr>
+          </a:p>
+          <a:p>
+            <a:pPr>
+              <a:buClr>
+                <a:schemeClr val="accent1">
+                  <a:lumMod val="75000"/>
+                </a:schemeClr>
+              </a:buClr>
+            </a:pPr>
+            <a:endParaRPr lang="en-US" altLang="ja-JP" dirty="0">
+              <a:solidFill>
+                <a:schemeClr val="tx1"/>
+              </a:solidFill>
+            </a:endParaRPr>
+          </a:p>
+          <a:p>
+            <a:pPr>
+              <a:buClr>
+                <a:schemeClr val="accent1">
+                  <a:lumMod val="75000"/>
+                </a:schemeClr>
+              </a:buClr>
+            </a:pPr>
+            <a:r>
               <a:rPr lang="en-US" altLang="ja-JP" dirty="0" err="1">
                 <a:solidFill>
                   <a:schemeClr val="tx1"/>
@@ -7760,11 +5337,11 @@
             </a:r>
             <a:r>
               <a:rPr lang="ja-JP" altLang="en-US" dirty="0" smtClean="0"/>
-              <a:t>プロジェクトの作成</a:t>
-            </a:r>
-            <a:r>
-              <a:rPr lang="ja-JP" altLang="en-US" dirty="0"/>
-              <a:t>①</a:t>
+              <a:t>プロジェクトの</a:t>
+            </a:r>
+            <a:r>
+              <a:rPr lang="ja-JP" altLang="en-US" dirty="0" smtClean="0"/>
+              <a:t>作成</a:t>
             </a:r>
             <a:endParaRPr kumimoji="1" lang="ja-JP" altLang="en-US" dirty="0"/>
           </a:p>
@@ -7809,7 +5386,42 @@
       </p:grpSpPr>
       <p:sp>
         <p:nvSpPr>
-          <p:cNvPr id="7" name="コンテンツ プレースホルダー 3"/>
+          <p:cNvPr id="2" name="タイトル 1"/>
+          <p:cNvSpPr>
+            <a:spLocks noGrp="1"/>
+          </p:cNvSpPr>
+          <p:nvPr>
+            <p:ph type="title"/>
+          </p:nvPr>
+        </p:nvSpPr>
+        <p:spPr/>
+        <p:txBody>
+          <a:bodyPr/>
+          <a:lstStyle/>
+          <a:p>
+            <a:r>
+              <a:rPr lang="en-US" altLang="ja-JP" dirty="0" smtClean="0"/>
+              <a:t>2-4.React</a:t>
+            </a:r>
+            <a:r>
+              <a:rPr lang="ja-JP" altLang="en-US" dirty="0"/>
+              <a:t>の開発環境構築 </a:t>
+            </a:r>
+            <a:r>
+              <a:rPr lang="en-US" altLang="ja-JP" dirty="0" smtClean="0"/>
+              <a:t>–</a:t>
+            </a:r>
+            <a:r>
+              <a:rPr lang="ja-JP" altLang="en-US" dirty="0"/>
+              <a:t>その他</a:t>
+            </a:r>
+            <a:endParaRPr kumimoji="1" lang="ja-JP" altLang="en-US" dirty="0"/>
+          </a:p>
+        </p:txBody>
+      </p:sp>
+      <p:sp>
+        <p:nvSpPr>
+          <p:cNvPr id="3" name="コンテンツ プレースホルダー 3"/>
           <p:cNvSpPr txBox="1">
             <a:spLocks/>
           </p:cNvSpPr>
@@ -7817,8 +5429,8 @@
         </p:nvSpPr>
         <p:spPr>
           <a:xfrm>
-            <a:off x="555219" y="1200150"/>
-            <a:ext cx="11164927" cy="871416"/>
+            <a:off x="438841" y="1067146"/>
+            <a:ext cx="11356919" cy="2233007"/>
           </a:xfrm>
           <a:prstGeom prst="rect">
             <a:avLst/>
@@ -8006,340 +5618,87 @@
               <a:buNone/>
             </a:pPr>
             <a:r>
-              <a:rPr lang="ja-JP" altLang="en-US" dirty="0"/>
-              <a:t>下記</a:t>
+              <a:rPr lang="en-US" altLang="ja-JP" dirty="0" smtClean="0"/>
+              <a:t>React</a:t>
             </a:r>
             <a:r>
               <a:rPr lang="ja-JP" altLang="en-US" dirty="0" smtClean="0"/>
-              <a:t>の２ファイルに</a:t>
-            </a:r>
-            <a:r>
-              <a:rPr lang="ja-JP" altLang="en-US" dirty="0"/>
-              <a:t>記載</a:t>
-            </a:r>
+              <a:t>のプログラムを書くには、プログラミングに特化したテキストエディターを使いましょう。</a:t>
+            </a:r>
+            <a:endParaRPr lang="en-US" altLang="ja-JP" dirty="0" smtClean="0"/>
+          </a:p>
+          <a:p>
+            <a:pPr marL="0" indent="0">
+              <a:buNone/>
+            </a:pPr>
             <a:r>
               <a:rPr lang="ja-JP" altLang="en-US" dirty="0" smtClean="0"/>
-              <a:t>を追加する。</a:t>
+              <a:t>以下のテキストエディターがおすすめです。</a:t>
             </a:r>
             <a:endParaRPr lang="en-US" altLang="ja-JP" dirty="0" smtClean="0"/>
           </a:p>
-        </p:txBody>
-      </p:sp>
-      <p:sp>
-        <p:nvSpPr>
-          <p:cNvPr id="16" name="正方形/長方形 15"/>
-          <p:cNvSpPr/>
-          <p:nvPr/>
-        </p:nvSpPr>
-        <p:spPr>
-          <a:xfrm>
-            <a:off x="555218" y="2285031"/>
-            <a:ext cx="11164927" cy="1140094"/>
-          </a:xfrm>
-          <a:prstGeom prst="rect">
-            <a:avLst/>
-          </a:prstGeom>
-          <a:solidFill>
-            <a:schemeClr val="tx2">
-              <a:lumMod val="75000"/>
-            </a:schemeClr>
-          </a:solidFill>
-          <a:ln>
-            <a:solidFill>
-              <a:schemeClr val="bg2">
-                <a:lumMod val="25000"/>
-              </a:schemeClr>
-            </a:solidFill>
-          </a:ln>
-        </p:spPr>
-        <p:style>
-          <a:lnRef idx="2">
-            <a:schemeClr val="accent1">
-              <a:shade val="50000"/>
-            </a:schemeClr>
-          </a:lnRef>
-          <a:fillRef idx="1">
-            <a:schemeClr val="accent1"/>
-          </a:fillRef>
-          <a:effectRef idx="0">
-            <a:schemeClr val="accent1"/>
-          </a:effectRef>
-          <a:fontRef idx="minor">
-            <a:schemeClr val="lt1"/>
-          </a:fontRef>
-        </p:style>
-        <p:txBody>
-          <a:bodyPr rtlCol="0" anchor="ctr"/>
-          <a:lstStyle/>
-          <a:p>
-            <a:pPr>
-              <a:buClr>
-                <a:schemeClr val="bg1"/>
-              </a:buClr>
+          <a:p>
+            <a:pPr marL="0" indent="0">
+              <a:buNone/>
             </a:pPr>
             <a:r>
-              <a:rPr lang="it-IT" altLang="ja-JP" dirty="0">
-                <a:solidFill>
-                  <a:schemeClr val="bg1"/>
-                </a:solidFill>
-              </a:rPr>
-              <a:t>config/paths.js </a:t>
-            </a:r>
-            <a:endParaRPr lang="it-IT" altLang="ja-JP" dirty="0" smtClean="0">
-              <a:solidFill>
-                <a:schemeClr val="bg1"/>
-              </a:solidFill>
-            </a:endParaRPr>
-          </a:p>
-          <a:p>
-            <a:pPr>
-              <a:buClr>
-                <a:schemeClr val="bg1"/>
-              </a:buClr>
+              <a:rPr lang="en-US" altLang="ja-JP" dirty="0" smtClean="0"/>
+              <a:t>Visual </a:t>
+            </a:r>
+            <a:r>
+              <a:rPr lang="en-US" altLang="ja-JP" dirty="0"/>
+              <a:t>Studio Code(</a:t>
+            </a:r>
+            <a:r>
+              <a:rPr lang="en-US" altLang="ja-JP" dirty="0">
+                <a:hlinkClick r:id="rId2"/>
+              </a:rPr>
+              <a:t>https://</a:t>
+            </a:r>
+            <a:r>
+              <a:rPr lang="en-US" altLang="ja-JP" dirty="0" smtClean="0">
+                <a:hlinkClick r:id="rId2"/>
+              </a:rPr>
+              <a:t>code.visualstudio.com/Download</a:t>
+            </a:r>
+            <a:r>
+              <a:rPr lang="en-US" altLang="ja-JP" dirty="0" smtClean="0"/>
+              <a:t>)</a:t>
+            </a:r>
+          </a:p>
+          <a:p>
+            <a:pPr marL="0" indent="0">
+              <a:buNone/>
             </a:pPr>
             <a:r>
-              <a:rPr lang="en-US" altLang="ja-JP" dirty="0">
-                <a:solidFill>
-                  <a:schemeClr val="bg1"/>
-                </a:solidFill>
-              </a:rPr>
-              <a:t>44</a:t>
-            </a:r>
-            <a:r>
-              <a:rPr lang="ja-JP" altLang="en-US" dirty="0">
-                <a:solidFill>
-                  <a:schemeClr val="bg1"/>
-                </a:solidFill>
-              </a:rPr>
-              <a:t>行目あたりの </a:t>
-            </a:r>
-            <a:r>
-              <a:rPr lang="it-IT" altLang="ja-JP" dirty="0">
-                <a:solidFill>
-                  <a:schemeClr val="bg1"/>
-                </a:solidFill>
-              </a:rPr>
-              <a:t>appBuild: resolveApp('build') </a:t>
-            </a:r>
-            <a:r>
-              <a:rPr lang="ja-JP" altLang="en-US" dirty="0">
-                <a:solidFill>
-                  <a:schemeClr val="bg1"/>
-                </a:solidFill>
-              </a:rPr>
-              <a:t>を </a:t>
-            </a:r>
-            <a:r>
-              <a:rPr lang="it-IT" altLang="ja-JP" dirty="0">
-                <a:solidFill>
-                  <a:schemeClr val="bg1"/>
-                </a:solidFill>
-              </a:rPr>
-              <a:t>appBuild: resolveApp('www') </a:t>
-            </a:r>
-            <a:r>
-              <a:rPr lang="ja-JP" altLang="en-US" dirty="0">
-                <a:solidFill>
-                  <a:schemeClr val="bg1"/>
-                </a:solidFill>
-              </a:rPr>
-              <a:t>に変更して保存する。</a:t>
-            </a:r>
-            <a:endParaRPr lang="it-IT" altLang="ja-JP" dirty="0" smtClean="0">
-              <a:solidFill>
-                <a:schemeClr val="bg1"/>
-              </a:solidFill>
-            </a:endParaRPr>
-          </a:p>
-        </p:txBody>
-      </p:sp>
-      <p:sp>
-        <p:nvSpPr>
-          <p:cNvPr id="8" name="正方形/長方形 7"/>
-          <p:cNvSpPr/>
-          <p:nvPr/>
-        </p:nvSpPr>
-        <p:spPr>
-          <a:xfrm>
-            <a:off x="555217" y="3638590"/>
-            <a:ext cx="11164927" cy="1140094"/>
-          </a:xfrm>
-          <a:prstGeom prst="rect">
-            <a:avLst/>
-          </a:prstGeom>
-          <a:solidFill>
-            <a:schemeClr val="tx2">
-              <a:lumMod val="75000"/>
-            </a:schemeClr>
-          </a:solidFill>
-          <a:ln>
-            <a:solidFill>
-              <a:schemeClr val="bg2">
-                <a:lumMod val="25000"/>
-              </a:schemeClr>
-            </a:solidFill>
-          </a:ln>
-        </p:spPr>
-        <p:style>
-          <a:lnRef idx="2">
-            <a:schemeClr val="accent1">
-              <a:shade val="50000"/>
-            </a:schemeClr>
-          </a:lnRef>
-          <a:fillRef idx="1">
-            <a:schemeClr val="accent1"/>
-          </a:fillRef>
-          <a:effectRef idx="0">
-            <a:schemeClr val="accent1"/>
-          </a:effectRef>
-          <a:fontRef idx="minor">
-            <a:schemeClr val="lt1"/>
-          </a:fontRef>
-        </p:style>
-        <p:txBody>
-          <a:bodyPr rtlCol="0" anchor="ctr"/>
-          <a:lstStyle/>
-          <a:p>
-            <a:pPr>
-              <a:buClr>
-                <a:schemeClr val="bg1"/>
-              </a:buClr>
+              <a:rPr lang="ja-JP" altLang="en-US" dirty="0" smtClean="0"/>
+              <a:t>　・</a:t>
+            </a:r>
+            <a:r>
+              <a:rPr lang="en-US" altLang="ja-JP" dirty="0" smtClean="0"/>
+              <a:t>MicroSoft</a:t>
+            </a:r>
+            <a:r>
+              <a:rPr lang="ja-JP" altLang="en-US" dirty="0" smtClean="0"/>
+              <a:t>が開発したオープンソースのプログラミング向けエディターで、無料で使用できる。</a:t>
+            </a:r>
+            <a:endParaRPr lang="en-US" altLang="ja-JP" dirty="0" smtClean="0"/>
+          </a:p>
+          <a:p>
+            <a:pPr marL="0" indent="0">
+              <a:buNone/>
             </a:pPr>
             <a:r>
-              <a:rPr lang="en-US" altLang="ja-JP" dirty="0" err="1" smtClean="0"/>
-              <a:t>package.json</a:t>
+              <a:rPr lang="ja-JP" altLang="en-US" dirty="0" smtClean="0"/>
+              <a:t>　・拡張機能（パッケージ）を入れなくても、最初から充実した機能を持っている。</a:t>
             </a:r>
             <a:endParaRPr lang="en-US" altLang="ja-JP" dirty="0" smtClean="0"/>
           </a:p>
-          <a:p>
-            <a:pPr>
-              <a:buClr>
-                <a:schemeClr val="bg1"/>
-              </a:buClr>
-            </a:pPr>
-            <a:r>
-              <a:rPr lang="en-US" altLang="ja-JP" dirty="0">
-                <a:solidFill>
-                  <a:schemeClr val="bg1"/>
-                </a:solidFill>
-              </a:rPr>
-              <a:t>dependencies </a:t>
-            </a:r>
-            <a:r>
-              <a:rPr lang="ja-JP" altLang="en-US" dirty="0">
-                <a:solidFill>
-                  <a:schemeClr val="bg1"/>
-                </a:solidFill>
-              </a:rPr>
-              <a:t>の上あたりに </a:t>
-            </a:r>
-            <a:r>
-              <a:rPr lang="en-US" altLang="ja-JP" dirty="0">
-                <a:solidFill>
-                  <a:schemeClr val="bg1"/>
-                </a:solidFill>
-              </a:rPr>
-              <a:t>"homepage": "./", </a:t>
-            </a:r>
-            <a:r>
-              <a:rPr lang="ja-JP" altLang="en-US" dirty="0">
-                <a:solidFill>
-                  <a:schemeClr val="bg1"/>
-                </a:solidFill>
-              </a:rPr>
-              <a:t>を追加して保存する。</a:t>
-            </a:r>
-            <a:endParaRPr lang="it-IT" altLang="ja-JP" dirty="0" smtClean="0">
-              <a:solidFill>
-                <a:schemeClr val="bg1"/>
-              </a:solidFill>
-            </a:endParaRPr>
-          </a:p>
-        </p:txBody>
-      </p:sp>
-      <p:sp>
-        <p:nvSpPr>
-          <p:cNvPr id="3" name="タイトル 2"/>
-          <p:cNvSpPr>
-            <a:spLocks noGrp="1"/>
-          </p:cNvSpPr>
-          <p:nvPr>
-            <p:ph type="title"/>
-          </p:nvPr>
-        </p:nvSpPr>
-        <p:spPr/>
-        <p:txBody>
-          <a:bodyPr/>
-          <a:lstStyle/>
-          <a:p>
-            <a:r>
-              <a:rPr lang="en-US" altLang="ja-JP" dirty="0" smtClean="0"/>
-              <a:t>2-4.React</a:t>
-            </a:r>
-            <a:r>
-              <a:rPr lang="ja-JP" altLang="en-US" dirty="0"/>
-              <a:t>の開発環境構築 </a:t>
-            </a:r>
-            <a:r>
-              <a:rPr lang="en-US" altLang="ja-JP" dirty="0"/>
-              <a:t>–</a:t>
-            </a:r>
-            <a:r>
-              <a:rPr lang="ja-JP" altLang="en-US" dirty="0"/>
-              <a:t>プロジェクトの</a:t>
-            </a:r>
-            <a:r>
-              <a:rPr lang="ja-JP" altLang="en-US" dirty="0" smtClean="0"/>
-              <a:t>作成</a:t>
-            </a:r>
-            <a:r>
-              <a:rPr lang="ja-JP" altLang="en-US" dirty="0"/>
-              <a:t>②</a:t>
-            </a:r>
-            <a:endParaRPr kumimoji="1" lang="ja-JP" altLang="en-US" dirty="0"/>
-          </a:p>
-        </p:txBody>
-      </p:sp>
-    </p:spTree>
-    <p:extLst>
-      <p:ext uri="{BB962C8B-B14F-4D97-AF65-F5344CB8AC3E}">
-        <p14:creationId xmlns:p14="http://schemas.microsoft.com/office/powerpoint/2010/main" val="2318647032"/>
-      </p:ext>
-    </p:extLst>
-  </p:cSld>
-  <p:clrMapOvr>
-    <a:masterClrMapping/>
-  </p:clrMapOvr>
-  <p:timing>
-    <p:tnLst>
-      <p:par>
-        <p:cTn id="1" dur="indefinite" restart="never" nodeType="tmRoot"/>
-      </p:par>
-    </p:tnLst>
-  </p:timing>
-</p:sld>
-</file>
-
-<file path=ppt/slides/slide7.xml><?xml version="1.0" encoding="utf-8"?>
-<p:sld xmlns:a="http://schemas.openxmlformats.org/drawingml/2006/main" xmlns:r="http://schemas.openxmlformats.org/officeDocument/2006/relationships" xmlns:p="http://schemas.openxmlformats.org/presentationml/2006/main">
-  <p:cSld>
-    <p:spTree>
-      <p:nvGrpSpPr>
-        <p:cNvPr id="1" name=""/>
-        <p:cNvGrpSpPr/>
-        <p:nvPr/>
-      </p:nvGrpSpPr>
-      <p:grpSpPr>
-        <a:xfrm>
-          <a:off x="0" y="0"/>
-          <a:ext cx="0" cy="0"/>
-          <a:chOff x="0" y="0"/>
-          <a:chExt cx="0" cy="0"/>
-        </a:xfrm>
-      </p:grpSpPr>
-      <p:sp>
-        <p:nvSpPr>
-          <p:cNvPr id="7" name="コンテンツ プレースホルダー 3"/>
+        </p:txBody>
+      </p:sp>
+      <p:sp>
+        <p:nvSpPr>
+          <p:cNvPr id="4" name="コンテンツ プレースホルダー 3"/>
           <p:cNvSpPr txBox="1">
             <a:spLocks/>
           </p:cNvSpPr>
@@ -8347,8 +5706,8 @@
         </p:nvSpPr>
         <p:spPr>
           <a:xfrm>
-            <a:off x="555219" y="1200150"/>
-            <a:ext cx="11164927" cy="871416"/>
+            <a:off x="438840" y="3688427"/>
+            <a:ext cx="11356919" cy="1041516"/>
           </a:xfrm>
           <a:prstGeom prst="rect">
             <a:avLst/>
@@ -8537,15 +5896,15 @@
             </a:pPr>
             <a:r>
               <a:rPr lang="ja-JP" altLang="en-US" dirty="0" smtClean="0"/>
-              <a:t>コマンドプロンプトにて以下のコマンドを入力し、</a:t>
-            </a:r>
-            <a:r>
-              <a:rPr lang="en-US" altLang="ja-JP" dirty="0" err="1" smtClean="0"/>
-              <a:t>cordova</a:t>
+              <a:t>ブラウザは、開発用機能が使いやすい</a:t>
+            </a:r>
+            <a:r>
+              <a:rPr lang="en-US" altLang="ja-JP" dirty="0" smtClean="0"/>
+              <a:t>Google Chrome</a:t>
             </a:r>
             <a:r>
               <a:rPr lang="ja-JP" altLang="en-US" dirty="0" smtClean="0"/>
-              <a:t>プロジェクトを作成する。</a:t>
+              <a:t>を使用しましょう。</a:t>
             </a:r>
             <a:endParaRPr lang="en-US" altLang="ja-JP" dirty="0" smtClean="0"/>
           </a:p>
@@ -8554,1572 +5913,41 @@
               <a:buNone/>
             </a:pPr>
             <a:r>
+              <a:rPr lang="ja-JP" altLang="en-US" dirty="0" smtClean="0"/>
+              <a:t>開発ツールには</a:t>
+            </a:r>
+            <a:r>
               <a:rPr lang="en-US" altLang="ja-JP" dirty="0" smtClean="0"/>
-              <a:t>(</a:t>
-            </a:r>
-            <a:r>
-              <a:rPr lang="en-US" altLang="ja-JP" dirty="0" smtClean="0">
-                <a:solidFill>
-                  <a:srgbClr val="FF0000"/>
-                </a:solidFill>
-              </a:rPr>
-              <a:t>create-react-app</a:t>
-            </a:r>
-            <a:r>
-              <a:rPr lang="ja-JP" altLang="en-US" dirty="0" smtClean="0">
-                <a:solidFill>
-                  <a:srgbClr val="FF0000"/>
-                </a:solidFill>
-              </a:rPr>
-              <a:t>を実施した階層で以下のコマンドを実施。</a:t>
+              <a:t>Console</a:t>
+            </a:r>
+            <a:r>
+              <a:rPr lang="ja-JP" altLang="en-US" dirty="0" err="1" smtClean="0"/>
+              <a:t>、</a:t>
+            </a:r>
+            <a:r>
+              <a:rPr lang="en-US" altLang="ja-JP" dirty="0" smtClean="0"/>
+              <a:t>Source</a:t>
             </a:r>
             <a:r>
               <a:rPr lang="ja-JP" altLang="en-US" dirty="0" smtClean="0"/>
-              <a:t>）</a:t>
+              <a:t>タブなどがあり、</a:t>
+            </a:r>
+            <a:r>
+              <a:rPr lang="en-US" altLang="ja-JP" dirty="0" smtClean="0"/>
+              <a:t>JavaScript</a:t>
+            </a:r>
+            <a:r>
+              <a:rPr lang="ja-JP" altLang="en-US" dirty="0" smtClean="0"/>
+              <a:t>のデバッグによく使われます。</a:t>
             </a:r>
             <a:endParaRPr lang="en-US" altLang="ja-JP" dirty="0" smtClean="0"/>
-          </a:p>
-        </p:txBody>
-      </p:sp>
-      <p:sp>
-        <p:nvSpPr>
-          <p:cNvPr id="16" name="正方形/長方形 15"/>
-          <p:cNvSpPr/>
-          <p:nvPr/>
-        </p:nvSpPr>
-        <p:spPr>
-          <a:xfrm>
-            <a:off x="555218" y="2285031"/>
-            <a:ext cx="11164927" cy="1140094"/>
-          </a:xfrm>
-          <a:prstGeom prst="rect">
-            <a:avLst/>
-          </a:prstGeom>
-          <a:solidFill>
-            <a:schemeClr val="tx2">
-              <a:lumMod val="75000"/>
-            </a:schemeClr>
-          </a:solidFill>
-          <a:ln>
-            <a:solidFill>
-              <a:schemeClr val="bg2">
-                <a:lumMod val="25000"/>
-              </a:schemeClr>
-            </a:solidFill>
-          </a:ln>
-        </p:spPr>
-        <p:style>
-          <a:lnRef idx="2">
-            <a:schemeClr val="accent1">
-              <a:shade val="50000"/>
-            </a:schemeClr>
-          </a:lnRef>
-          <a:fillRef idx="1">
-            <a:schemeClr val="accent1"/>
-          </a:fillRef>
-          <a:effectRef idx="0">
-            <a:schemeClr val="accent1"/>
-          </a:effectRef>
-          <a:fontRef idx="minor">
-            <a:schemeClr val="lt1"/>
-          </a:fontRef>
-        </p:style>
-        <p:txBody>
-          <a:bodyPr rtlCol="0" anchor="ctr"/>
-          <a:lstStyle/>
-          <a:p>
-            <a:pPr marL="285750" indent="-285750">
-              <a:buClr>
-                <a:schemeClr val="bg1"/>
-              </a:buClr>
-              <a:buFont typeface="Wingdings" panose="05000000000000000000" pitchFamily="2" charset="2"/>
-              <a:buChar char="ü"/>
-            </a:pPr>
-            <a:r>
-              <a:rPr lang="it-IT" altLang="ja-JP" dirty="0">
-                <a:solidFill>
-                  <a:schemeClr val="bg1"/>
-                </a:solidFill>
-              </a:rPr>
-              <a:t>cordova create tutorial-cordova com.example.tutorial </a:t>
-            </a:r>
-            <a:r>
-              <a:rPr lang="it-IT" altLang="ja-JP" dirty="0" smtClean="0">
-                <a:solidFill>
-                  <a:schemeClr val="bg1"/>
-                </a:solidFill>
-              </a:rPr>
-              <a:t>Tutorial</a:t>
-            </a:r>
-          </a:p>
-        </p:txBody>
-      </p:sp>
-      <p:sp>
-        <p:nvSpPr>
-          <p:cNvPr id="10" name="正方形/長方形 9"/>
-          <p:cNvSpPr/>
-          <p:nvPr/>
-        </p:nvSpPr>
-        <p:spPr>
-          <a:xfrm>
-            <a:off x="555217" y="3881356"/>
-            <a:ext cx="11164927" cy="2519444"/>
-          </a:xfrm>
-          <a:prstGeom prst="rect">
-            <a:avLst/>
-          </a:prstGeom>
-          <a:solidFill>
-            <a:schemeClr val="accent3">
-              <a:lumMod val="20000"/>
-              <a:lumOff val="80000"/>
-            </a:schemeClr>
-          </a:solidFill>
-        </p:spPr>
-        <p:style>
-          <a:lnRef idx="2">
-            <a:schemeClr val="accent1">
-              <a:shade val="50000"/>
-            </a:schemeClr>
-          </a:lnRef>
-          <a:fillRef idx="1">
-            <a:schemeClr val="accent1"/>
-          </a:fillRef>
-          <a:effectRef idx="0">
-            <a:schemeClr val="accent1"/>
-          </a:effectRef>
-          <a:fontRef idx="minor">
-            <a:schemeClr val="lt1"/>
-          </a:fontRef>
-        </p:style>
-        <p:txBody>
-          <a:bodyPr rtlCol="0" anchor="t"/>
-          <a:lstStyle/>
-          <a:p>
-            <a:pPr>
-              <a:buClr>
-                <a:schemeClr val="accent1">
-                  <a:lumMod val="75000"/>
-                </a:schemeClr>
-              </a:buClr>
-            </a:pPr>
-            <a:r>
-              <a:rPr lang="ja-JP" altLang="en-US" dirty="0" smtClean="0">
-                <a:solidFill>
-                  <a:schemeClr val="tx1"/>
-                </a:solidFill>
-              </a:rPr>
-              <a:t>＜小ネタ＞</a:t>
-            </a:r>
-            <a:r>
-              <a:rPr lang="ja-JP" altLang="en-US" dirty="0">
-                <a:solidFill>
-                  <a:schemeClr val="tx1"/>
-                </a:solidFill>
-              </a:rPr>
-              <a:t>　</a:t>
-            </a:r>
-            <a:r>
-              <a:rPr lang="en-US" altLang="ja-JP" dirty="0" smtClean="0">
-                <a:solidFill>
-                  <a:schemeClr val="tx1"/>
-                </a:solidFill>
-              </a:rPr>
-              <a:t>-</a:t>
-            </a:r>
-            <a:r>
-              <a:rPr lang="en-US" altLang="ja-JP" dirty="0" err="1" smtClean="0">
-                <a:solidFill>
-                  <a:schemeClr val="tx1"/>
-                </a:solidFill>
-              </a:rPr>
-              <a:t>cordova</a:t>
-            </a:r>
-            <a:r>
-              <a:rPr lang="ja-JP" altLang="en-US" dirty="0" smtClean="0">
-                <a:solidFill>
-                  <a:schemeClr val="tx1"/>
-                </a:solidFill>
-              </a:rPr>
-              <a:t>について</a:t>
-            </a:r>
-            <a:endParaRPr lang="en-US" altLang="ja-JP" dirty="0" smtClean="0">
-              <a:solidFill>
-                <a:schemeClr val="tx1"/>
-              </a:solidFill>
-            </a:endParaRPr>
-          </a:p>
-          <a:p>
-            <a:pPr>
-              <a:buClr>
-                <a:schemeClr val="accent1">
-                  <a:lumMod val="75000"/>
-                </a:schemeClr>
-              </a:buClr>
-            </a:pPr>
-            <a:r>
-              <a:rPr lang="ja-JP" altLang="en-US" dirty="0">
-                <a:solidFill>
-                  <a:schemeClr val="tx1"/>
-                </a:solidFill>
-              </a:rPr>
-              <a:t>　</a:t>
-            </a:r>
-            <a:r>
-              <a:rPr lang="ja-JP" altLang="en-US" dirty="0" smtClean="0">
-                <a:solidFill>
-                  <a:schemeClr val="tx1"/>
-                </a:solidFill>
-              </a:rPr>
-              <a:t>スマホ向けプラットフォームモジュール</a:t>
-            </a:r>
-            <a:endParaRPr lang="en-US" altLang="ja-JP" dirty="0" smtClean="0">
-              <a:solidFill>
-                <a:schemeClr val="tx1"/>
-              </a:solidFill>
-            </a:endParaRPr>
-          </a:p>
-          <a:p>
-            <a:pPr>
-              <a:buClr>
-                <a:schemeClr val="accent1">
-                  <a:lumMod val="75000"/>
-                </a:schemeClr>
-              </a:buClr>
-            </a:pPr>
-            <a:r>
-              <a:rPr lang="en-US" altLang="ja-JP" dirty="0" smtClean="0">
-                <a:solidFill>
-                  <a:schemeClr val="tx1"/>
-                </a:solidFill>
-              </a:rPr>
-              <a:t>Cordova</a:t>
-            </a:r>
-            <a:r>
-              <a:rPr lang="ja-JP" altLang="en-US" dirty="0" err="1" smtClean="0">
-                <a:solidFill>
-                  <a:schemeClr val="tx1"/>
-                </a:solidFill>
-              </a:rPr>
-              <a:t>は開</a:t>
-            </a:r>
-            <a:r>
-              <a:rPr lang="ja-JP" altLang="en-US" dirty="0" smtClean="0">
-                <a:solidFill>
-                  <a:schemeClr val="tx1"/>
-                </a:solidFill>
-              </a:rPr>
-              <a:t>発されてから</a:t>
-            </a:r>
-            <a:r>
-              <a:rPr lang="en-US" altLang="ja-JP" dirty="0" smtClean="0">
-                <a:solidFill>
-                  <a:schemeClr val="tx1"/>
-                </a:solidFill>
-              </a:rPr>
-              <a:t>10</a:t>
-            </a:r>
-            <a:r>
-              <a:rPr lang="ja-JP" altLang="en-US" dirty="0" smtClean="0">
-                <a:solidFill>
-                  <a:schemeClr val="tx1"/>
-                </a:solidFill>
-              </a:rPr>
-              <a:t>年ほど経っているため、インターネット上に豊富なリソースが公開されている。</a:t>
-            </a:r>
-            <a:endParaRPr lang="en-US" altLang="ja-JP" dirty="0" smtClean="0">
-              <a:solidFill>
-                <a:schemeClr val="tx1"/>
-              </a:solidFill>
-            </a:endParaRPr>
-          </a:p>
-          <a:p>
-            <a:pPr>
-              <a:buClr>
-                <a:schemeClr val="accent1">
-                  <a:lumMod val="75000"/>
-                </a:schemeClr>
-              </a:buClr>
-            </a:pPr>
-            <a:r>
-              <a:rPr lang="ja-JP" altLang="en-US" dirty="0">
-                <a:solidFill>
-                  <a:schemeClr val="tx1"/>
-                </a:solidFill>
-              </a:rPr>
-              <a:t>また</a:t>
-            </a:r>
-            <a:r>
-              <a:rPr lang="ja-JP" altLang="en-US" dirty="0" smtClean="0">
-                <a:solidFill>
-                  <a:schemeClr val="tx1"/>
-                </a:solidFill>
-              </a:rPr>
-              <a:t>、アプリの機能を補強するためのプラグインも多数存在する。</a:t>
-            </a:r>
-            <a:endParaRPr lang="en-US" altLang="ja-JP" dirty="0">
-              <a:solidFill>
-                <a:schemeClr val="tx1"/>
-              </a:solidFill>
-            </a:endParaRPr>
-          </a:p>
-        </p:txBody>
-      </p:sp>
-      <p:sp>
-        <p:nvSpPr>
-          <p:cNvPr id="3" name="タイトル 2"/>
-          <p:cNvSpPr>
-            <a:spLocks noGrp="1"/>
-          </p:cNvSpPr>
-          <p:nvPr>
-            <p:ph type="title"/>
-          </p:nvPr>
-        </p:nvSpPr>
-        <p:spPr/>
-        <p:txBody>
-          <a:bodyPr/>
-          <a:lstStyle/>
-          <a:p>
-            <a:r>
-              <a:rPr lang="en-US" altLang="ja-JP" dirty="0" smtClean="0"/>
-              <a:t>2-4.React</a:t>
-            </a:r>
-            <a:r>
-              <a:rPr lang="ja-JP" altLang="en-US" dirty="0"/>
-              <a:t>の開発環境構築 </a:t>
-            </a:r>
-            <a:r>
-              <a:rPr lang="en-US" altLang="ja-JP" dirty="0"/>
-              <a:t>–</a:t>
-            </a:r>
-            <a:r>
-              <a:rPr lang="ja-JP" altLang="en-US" dirty="0"/>
-              <a:t>プロジェクトの</a:t>
-            </a:r>
-            <a:r>
-              <a:rPr lang="ja-JP" altLang="en-US" dirty="0" smtClean="0"/>
-              <a:t>作成③</a:t>
-            </a:r>
-            <a:endParaRPr kumimoji="1" lang="ja-JP" altLang="en-US" dirty="0"/>
           </a:p>
         </p:txBody>
       </p:sp>
     </p:spTree>
     <p:extLst>
       <p:ext uri="{BB962C8B-B14F-4D97-AF65-F5344CB8AC3E}">
-        <p14:creationId xmlns:p14="http://schemas.microsoft.com/office/powerpoint/2010/main" val="2227291229"/>
-      </p:ext>
-    </p:extLst>
-  </p:cSld>
-  <p:clrMapOvr>
-    <a:masterClrMapping/>
-  </p:clrMapOvr>
-  <p:timing>
-    <p:tnLst>
-      <p:par>
-        <p:cTn id="1" dur="indefinite" restart="never" nodeType="tmRoot"/>
-      </p:par>
-    </p:tnLst>
-  </p:timing>
-</p:sld>
-</file>
-
-<file path=ppt/slides/slide8.xml><?xml version="1.0" encoding="utf-8"?>
-<p:sld xmlns:a="http://schemas.openxmlformats.org/drawingml/2006/main" xmlns:r="http://schemas.openxmlformats.org/officeDocument/2006/relationships" xmlns:p="http://schemas.openxmlformats.org/presentationml/2006/main">
-  <p:cSld>
-    <p:spTree>
-      <p:nvGrpSpPr>
-        <p:cNvPr id="1" name=""/>
-        <p:cNvGrpSpPr/>
-        <p:nvPr/>
-      </p:nvGrpSpPr>
-      <p:grpSpPr>
-        <a:xfrm>
-          <a:off x="0" y="0"/>
-          <a:ext cx="0" cy="0"/>
-          <a:chOff x="0" y="0"/>
-          <a:chExt cx="0" cy="0"/>
-        </a:xfrm>
-      </p:grpSpPr>
-      <p:sp>
-        <p:nvSpPr>
-          <p:cNvPr id="7" name="コンテンツ プレースホルダー 3"/>
-          <p:cNvSpPr txBox="1">
-            <a:spLocks/>
-          </p:cNvSpPr>
-          <p:nvPr/>
-        </p:nvSpPr>
-        <p:spPr>
-          <a:xfrm>
-            <a:off x="555219" y="1200150"/>
-            <a:ext cx="11164927" cy="871416"/>
-          </a:xfrm>
-          <a:prstGeom prst="rect">
-            <a:avLst/>
-          </a:prstGeom>
-          <a:solidFill>
-            <a:schemeClr val="accent1">
-              <a:lumMod val="20000"/>
-              <a:lumOff val="80000"/>
-            </a:schemeClr>
-          </a:solidFill>
-          <a:ln>
-            <a:solidFill>
-              <a:schemeClr val="accent1"/>
-            </a:solidFill>
-          </a:ln>
-        </p:spPr>
-        <p:txBody>
-          <a:bodyPr anchor="ctr"/>
-          <a:lstStyle>
-            <a:lvl1pPr marL="228600" indent="-228600" algn="l" defTabSz="914400" rtl="0" eaLnBrk="1" latinLnBrk="0" hangingPunct="1">
-              <a:lnSpc>
-                <a:spcPct val="90000"/>
-              </a:lnSpc>
-              <a:spcBef>
-                <a:spcPts val="1000"/>
-              </a:spcBef>
-              <a:buFont typeface="Arial" panose="020B0604020202020204" pitchFamily="34" charset="0"/>
-              <a:buChar char="•"/>
-              <a:defRPr kumimoji="1" sz="2000" kern="1200">
-                <a:solidFill>
-                  <a:schemeClr val="tx1"/>
-                </a:solidFill>
-                <a:latin typeface="Meiryo UI" panose="020B0604030504040204" pitchFamily="50" charset="-128"/>
-                <a:ea typeface="Meiryo UI" panose="020B0604030504040204" pitchFamily="50" charset="-128"/>
-                <a:cs typeface="+mn-cs"/>
-              </a:defRPr>
-            </a:lvl1pPr>
-            <a:lvl2pPr marL="685800" indent="-228600" algn="l" defTabSz="914400" rtl="0" eaLnBrk="1" latinLnBrk="0" hangingPunct="1">
-              <a:lnSpc>
-                <a:spcPct val="90000"/>
-              </a:lnSpc>
-              <a:spcBef>
-                <a:spcPts val="500"/>
-              </a:spcBef>
-              <a:buFont typeface="Arial" panose="020B0604020202020204" pitchFamily="34" charset="0"/>
-              <a:buChar char="•"/>
-              <a:defRPr kumimoji="1" sz="1800" kern="1200">
-                <a:solidFill>
-                  <a:schemeClr val="tx1"/>
-                </a:solidFill>
-                <a:latin typeface="Meiryo UI" panose="020B0604030504040204" pitchFamily="50" charset="-128"/>
-                <a:ea typeface="Meiryo UI" panose="020B0604030504040204" pitchFamily="50" charset="-128"/>
-                <a:cs typeface="+mn-cs"/>
-              </a:defRPr>
-            </a:lvl2pPr>
-            <a:lvl3pPr marL="1143000" indent="-228600" algn="l" defTabSz="914400" rtl="0" eaLnBrk="1" latinLnBrk="0" hangingPunct="1">
-              <a:lnSpc>
-                <a:spcPct val="90000"/>
-              </a:lnSpc>
-              <a:spcBef>
-                <a:spcPts val="500"/>
-              </a:spcBef>
-              <a:buFont typeface="Arial" panose="020B0604020202020204" pitchFamily="34" charset="0"/>
-              <a:buChar char="•"/>
-              <a:defRPr kumimoji="1" sz="1600" kern="1200">
-                <a:solidFill>
-                  <a:schemeClr val="tx1"/>
-                </a:solidFill>
-                <a:latin typeface="Meiryo UI" panose="020B0604030504040204" pitchFamily="50" charset="-128"/>
-                <a:ea typeface="Meiryo UI" panose="020B0604030504040204" pitchFamily="50" charset="-128"/>
-                <a:cs typeface="+mn-cs"/>
-              </a:defRPr>
-            </a:lvl3pPr>
-            <a:lvl4pPr marL="1600200" indent="-228600" algn="l" defTabSz="914400" rtl="0" eaLnBrk="1" latinLnBrk="0" hangingPunct="1">
-              <a:lnSpc>
-                <a:spcPct val="90000"/>
-              </a:lnSpc>
-              <a:spcBef>
-                <a:spcPts val="500"/>
-              </a:spcBef>
-              <a:buFont typeface="Arial" panose="020B0604020202020204" pitchFamily="34" charset="0"/>
-              <a:buChar char="•"/>
-              <a:defRPr kumimoji="1" sz="1400" kern="1200">
-                <a:solidFill>
-                  <a:schemeClr val="tx1"/>
-                </a:solidFill>
-                <a:latin typeface="Meiryo UI" panose="020B0604030504040204" pitchFamily="50" charset="-128"/>
-                <a:ea typeface="Meiryo UI" panose="020B0604030504040204" pitchFamily="50" charset="-128"/>
-                <a:cs typeface="+mn-cs"/>
-              </a:defRPr>
-            </a:lvl4pPr>
-            <a:lvl5pPr marL="2057400" indent="-228600" algn="l" defTabSz="914400" rtl="0" eaLnBrk="1" latinLnBrk="0" hangingPunct="1">
-              <a:lnSpc>
-                <a:spcPct val="90000"/>
-              </a:lnSpc>
-              <a:spcBef>
-                <a:spcPts val="500"/>
-              </a:spcBef>
-              <a:buFont typeface="Arial" panose="020B0604020202020204" pitchFamily="34" charset="0"/>
-              <a:buChar char="•"/>
-              <a:defRPr kumimoji="1" sz="1200" kern="1200">
-                <a:solidFill>
-                  <a:schemeClr val="tx1"/>
-                </a:solidFill>
-                <a:latin typeface="Meiryo UI" panose="020B0604030504040204" pitchFamily="50" charset="-128"/>
-                <a:ea typeface="Meiryo UI" panose="020B0604030504040204" pitchFamily="50" charset="-128"/>
-                <a:cs typeface="+mn-cs"/>
-              </a:defRPr>
-            </a:lvl5pPr>
-            <a:lvl6pPr marL="2514600" indent="-228600" algn="l" defTabSz="914400" rtl="0" eaLnBrk="1" latinLnBrk="0" hangingPunct="1">
-              <a:lnSpc>
-                <a:spcPct val="90000"/>
-              </a:lnSpc>
-              <a:spcBef>
-                <a:spcPts val="500"/>
-              </a:spcBef>
-              <a:buFont typeface="Arial" panose="020B0604020202020204" pitchFamily="34" charset="0"/>
-              <a:buChar char="•"/>
-              <a:defRPr kumimoji="1" sz="1800" kern="1200">
-                <a:solidFill>
-                  <a:schemeClr val="tx1"/>
-                </a:solidFill>
-                <a:latin typeface="+mn-lt"/>
-                <a:ea typeface="+mn-ea"/>
-                <a:cs typeface="+mn-cs"/>
-              </a:defRPr>
-            </a:lvl6pPr>
-            <a:lvl7pPr marL="2971800" indent="-228600" algn="l" defTabSz="914400" rtl="0" eaLnBrk="1" latinLnBrk="0" hangingPunct="1">
-              <a:lnSpc>
-                <a:spcPct val="90000"/>
-              </a:lnSpc>
-              <a:spcBef>
-                <a:spcPts val="500"/>
-              </a:spcBef>
-              <a:buFont typeface="Arial" panose="020B0604020202020204" pitchFamily="34" charset="0"/>
-              <a:buChar char="•"/>
-              <a:defRPr kumimoji="1" sz="1800" kern="1200">
-                <a:solidFill>
-                  <a:schemeClr val="tx1"/>
-                </a:solidFill>
-                <a:latin typeface="+mn-lt"/>
-                <a:ea typeface="+mn-ea"/>
-                <a:cs typeface="+mn-cs"/>
-              </a:defRPr>
-            </a:lvl7pPr>
-            <a:lvl8pPr marL="3429000" indent="-228600" algn="l" defTabSz="914400" rtl="0" eaLnBrk="1" latinLnBrk="0" hangingPunct="1">
-              <a:lnSpc>
-                <a:spcPct val="90000"/>
-              </a:lnSpc>
-              <a:spcBef>
-                <a:spcPts val="500"/>
-              </a:spcBef>
-              <a:buFont typeface="Arial" panose="020B0604020202020204" pitchFamily="34" charset="0"/>
-              <a:buChar char="•"/>
-              <a:defRPr kumimoji="1" sz="1800" kern="1200">
-                <a:solidFill>
-                  <a:schemeClr val="tx1"/>
-                </a:solidFill>
-                <a:latin typeface="+mn-lt"/>
-                <a:ea typeface="+mn-ea"/>
-                <a:cs typeface="+mn-cs"/>
-              </a:defRPr>
-            </a:lvl8pPr>
-            <a:lvl9pPr marL="3886200" indent="-228600" algn="l" defTabSz="914400" rtl="0" eaLnBrk="1" latinLnBrk="0" hangingPunct="1">
-              <a:lnSpc>
-                <a:spcPct val="90000"/>
-              </a:lnSpc>
-              <a:spcBef>
-                <a:spcPts val="500"/>
-              </a:spcBef>
-              <a:buFont typeface="Arial" panose="020B0604020202020204" pitchFamily="34" charset="0"/>
-              <a:buChar char="•"/>
-              <a:defRPr kumimoji="1" sz="1800" kern="1200">
-                <a:solidFill>
-                  <a:schemeClr val="tx1"/>
-                </a:solidFill>
-                <a:latin typeface="+mn-lt"/>
-                <a:ea typeface="+mn-ea"/>
-                <a:cs typeface="+mn-cs"/>
-              </a:defRPr>
-            </a:lvl9pPr>
-          </a:lstStyle>
-          <a:p>
-            <a:pPr marL="0" indent="0">
-              <a:buNone/>
-            </a:pPr>
-            <a:r>
-              <a:rPr lang="ja-JP" altLang="en-US" dirty="0"/>
-              <a:t>以下</a:t>
-            </a:r>
-            <a:r>
-              <a:rPr lang="ja-JP" altLang="en-US" dirty="0" smtClean="0"/>
-              <a:t>のファイルをコピーする。</a:t>
-            </a:r>
-            <a:endParaRPr lang="en-US" altLang="ja-JP" dirty="0" smtClean="0"/>
-          </a:p>
-        </p:txBody>
-      </p:sp>
-      <p:sp>
-        <p:nvSpPr>
-          <p:cNvPr id="16" name="正方形/長方形 15"/>
-          <p:cNvSpPr/>
-          <p:nvPr/>
-        </p:nvSpPr>
-        <p:spPr>
-          <a:xfrm>
-            <a:off x="555218" y="2285031"/>
-            <a:ext cx="11164927" cy="1140094"/>
-          </a:xfrm>
-          <a:prstGeom prst="rect">
-            <a:avLst/>
-          </a:prstGeom>
-          <a:solidFill>
-            <a:schemeClr val="tx2">
-              <a:lumMod val="75000"/>
-            </a:schemeClr>
-          </a:solidFill>
-          <a:ln>
-            <a:solidFill>
-              <a:schemeClr val="bg2">
-                <a:lumMod val="25000"/>
-              </a:schemeClr>
-            </a:solidFill>
-          </a:ln>
-        </p:spPr>
-        <p:style>
-          <a:lnRef idx="2">
-            <a:schemeClr val="accent1">
-              <a:shade val="50000"/>
-            </a:schemeClr>
-          </a:lnRef>
-          <a:fillRef idx="1">
-            <a:schemeClr val="accent1"/>
-          </a:fillRef>
-          <a:effectRef idx="0">
-            <a:schemeClr val="accent1"/>
-          </a:effectRef>
-          <a:fontRef idx="minor">
-            <a:schemeClr val="lt1"/>
-          </a:fontRef>
-        </p:style>
-        <p:txBody>
-          <a:bodyPr rtlCol="0" anchor="ctr"/>
-          <a:lstStyle/>
-          <a:p>
-            <a:pPr>
-              <a:buClr>
-                <a:schemeClr val="bg1"/>
-              </a:buClr>
-            </a:pPr>
-            <a:r>
-              <a:rPr lang="it-IT" altLang="ja-JP" dirty="0">
-                <a:solidFill>
-                  <a:schemeClr val="bg1"/>
-                </a:solidFill>
-              </a:rPr>
-              <a:t>tutorial-corodova/config.xml </a:t>
-            </a:r>
-            <a:r>
-              <a:rPr lang="ja-JP" altLang="en-US" dirty="0">
-                <a:solidFill>
-                  <a:schemeClr val="bg1"/>
-                </a:solidFill>
-              </a:rPr>
-              <a:t>を </a:t>
-            </a:r>
-            <a:r>
-              <a:rPr lang="it-IT" altLang="ja-JP" dirty="0">
-                <a:solidFill>
-                  <a:schemeClr val="bg1"/>
-                </a:solidFill>
-              </a:rPr>
-              <a:t>tutorial </a:t>
-            </a:r>
-            <a:r>
-              <a:rPr lang="ja-JP" altLang="en-US" dirty="0">
-                <a:solidFill>
-                  <a:schemeClr val="bg1"/>
-                </a:solidFill>
-              </a:rPr>
-              <a:t>下にコピー</a:t>
-            </a:r>
-            <a:r>
-              <a:rPr lang="ja-JP" altLang="en-US" dirty="0" smtClean="0">
-                <a:solidFill>
-                  <a:schemeClr val="bg1"/>
-                </a:solidFill>
-              </a:rPr>
-              <a:t>する</a:t>
-            </a:r>
-            <a:endParaRPr lang="ja-JP" altLang="en-US" dirty="0">
-              <a:solidFill>
-                <a:schemeClr val="bg1"/>
-              </a:solidFill>
-            </a:endParaRPr>
-          </a:p>
-        </p:txBody>
-      </p:sp>
-      <p:sp>
-        <p:nvSpPr>
-          <p:cNvPr id="3" name="タイトル 2"/>
-          <p:cNvSpPr>
-            <a:spLocks noGrp="1"/>
-          </p:cNvSpPr>
-          <p:nvPr>
-            <p:ph type="title"/>
-          </p:nvPr>
-        </p:nvSpPr>
-        <p:spPr/>
-        <p:txBody>
-          <a:bodyPr/>
-          <a:lstStyle/>
-          <a:p>
-            <a:r>
-              <a:rPr lang="en-US" altLang="ja-JP" dirty="0"/>
-              <a:t>React</a:t>
-            </a:r>
-            <a:r>
-              <a:rPr lang="ja-JP" altLang="en-US" dirty="0"/>
-              <a:t>の開発環境構築 </a:t>
-            </a:r>
-            <a:r>
-              <a:rPr lang="en-US" altLang="ja-JP" dirty="0"/>
-              <a:t>–</a:t>
-            </a:r>
-            <a:r>
-              <a:rPr lang="ja-JP" altLang="en-US" dirty="0"/>
-              <a:t>プロジェクトの</a:t>
-            </a:r>
-            <a:r>
-              <a:rPr lang="ja-JP" altLang="en-US" dirty="0" smtClean="0"/>
-              <a:t>作成④</a:t>
-            </a:r>
-            <a:endParaRPr kumimoji="1" lang="ja-JP" altLang="en-US" dirty="0"/>
-          </a:p>
-        </p:txBody>
-      </p:sp>
-    </p:spTree>
-    <p:extLst>
-      <p:ext uri="{BB962C8B-B14F-4D97-AF65-F5344CB8AC3E}">
-        <p14:creationId xmlns:p14="http://schemas.microsoft.com/office/powerpoint/2010/main" val="1752381122"/>
-      </p:ext>
-    </p:extLst>
-  </p:cSld>
-  <p:clrMapOvr>
-    <a:masterClrMapping/>
-  </p:clrMapOvr>
-  <p:timing>
-    <p:tnLst>
-      <p:par>
-        <p:cTn id="1" dur="indefinite" restart="never" nodeType="tmRoot"/>
-      </p:par>
-    </p:tnLst>
-  </p:timing>
-</p:sld>
-</file>
-
-<file path=ppt/slides/slide9.xml><?xml version="1.0" encoding="utf-8"?>
-<p:sld xmlns:a="http://schemas.openxmlformats.org/drawingml/2006/main" xmlns:r="http://schemas.openxmlformats.org/officeDocument/2006/relationships" xmlns:p="http://schemas.openxmlformats.org/presentationml/2006/main">
-  <p:cSld>
-    <p:spTree>
-      <p:nvGrpSpPr>
-        <p:cNvPr id="1" name=""/>
-        <p:cNvGrpSpPr/>
-        <p:nvPr/>
-      </p:nvGrpSpPr>
-      <p:grpSpPr>
-        <a:xfrm>
-          <a:off x="0" y="0"/>
-          <a:ext cx="0" cy="0"/>
-          <a:chOff x="0" y="0"/>
-          <a:chExt cx="0" cy="0"/>
-        </a:xfrm>
-      </p:grpSpPr>
-      <p:sp>
-        <p:nvSpPr>
-          <p:cNvPr id="7" name="コンテンツ プレースホルダー 3"/>
-          <p:cNvSpPr txBox="1">
-            <a:spLocks/>
-          </p:cNvSpPr>
-          <p:nvPr/>
-        </p:nvSpPr>
-        <p:spPr>
-          <a:xfrm>
-            <a:off x="555219" y="1200150"/>
-            <a:ext cx="11164927" cy="871416"/>
-          </a:xfrm>
-          <a:prstGeom prst="rect">
-            <a:avLst/>
-          </a:prstGeom>
-          <a:solidFill>
-            <a:schemeClr val="accent1">
-              <a:lumMod val="20000"/>
-              <a:lumOff val="80000"/>
-            </a:schemeClr>
-          </a:solidFill>
-          <a:ln>
-            <a:solidFill>
-              <a:schemeClr val="accent1"/>
-            </a:solidFill>
-          </a:ln>
-        </p:spPr>
-        <p:txBody>
-          <a:bodyPr anchor="ctr"/>
-          <a:lstStyle>
-            <a:lvl1pPr marL="228600" indent="-228600" algn="l" defTabSz="914400" rtl="0" eaLnBrk="1" latinLnBrk="0" hangingPunct="1">
-              <a:lnSpc>
-                <a:spcPct val="90000"/>
-              </a:lnSpc>
-              <a:spcBef>
-                <a:spcPts val="1000"/>
-              </a:spcBef>
-              <a:buFont typeface="Arial" panose="020B0604020202020204" pitchFamily="34" charset="0"/>
-              <a:buChar char="•"/>
-              <a:defRPr kumimoji="1" sz="2000" kern="1200">
-                <a:solidFill>
-                  <a:schemeClr val="tx1"/>
-                </a:solidFill>
-                <a:latin typeface="Meiryo UI" panose="020B0604030504040204" pitchFamily="50" charset="-128"/>
-                <a:ea typeface="Meiryo UI" panose="020B0604030504040204" pitchFamily="50" charset="-128"/>
-                <a:cs typeface="+mn-cs"/>
-              </a:defRPr>
-            </a:lvl1pPr>
-            <a:lvl2pPr marL="685800" indent="-228600" algn="l" defTabSz="914400" rtl="0" eaLnBrk="1" latinLnBrk="0" hangingPunct="1">
-              <a:lnSpc>
-                <a:spcPct val="90000"/>
-              </a:lnSpc>
-              <a:spcBef>
-                <a:spcPts val="500"/>
-              </a:spcBef>
-              <a:buFont typeface="Arial" panose="020B0604020202020204" pitchFamily="34" charset="0"/>
-              <a:buChar char="•"/>
-              <a:defRPr kumimoji="1" sz="1800" kern="1200">
-                <a:solidFill>
-                  <a:schemeClr val="tx1"/>
-                </a:solidFill>
-                <a:latin typeface="Meiryo UI" panose="020B0604030504040204" pitchFamily="50" charset="-128"/>
-                <a:ea typeface="Meiryo UI" panose="020B0604030504040204" pitchFamily="50" charset="-128"/>
-                <a:cs typeface="+mn-cs"/>
-              </a:defRPr>
-            </a:lvl2pPr>
-            <a:lvl3pPr marL="1143000" indent="-228600" algn="l" defTabSz="914400" rtl="0" eaLnBrk="1" latinLnBrk="0" hangingPunct="1">
-              <a:lnSpc>
-                <a:spcPct val="90000"/>
-              </a:lnSpc>
-              <a:spcBef>
-                <a:spcPts val="500"/>
-              </a:spcBef>
-              <a:buFont typeface="Arial" panose="020B0604020202020204" pitchFamily="34" charset="0"/>
-              <a:buChar char="•"/>
-              <a:defRPr kumimoji="1" sz="1600" kern="1200">
-                <a:solidFill>
-                  <a:schemeClr val="tx1"/>
-                </a:solidFill>
-                <a:latin typeface="Meiryo UI" panose="020B0604030504040204" pitchFamily="50" charset="-128"/>
-                <a:ea typeface="Meiryo UI" panose="020B0604030504040204" pitchFamily="50" charset="-128"/>
-                <a:cs typeface="+mn-cs"/>
-              </a:defRPr>
-            </a:lvl3pPr>
-            <a:lvl4pPr marL="1600200" indent="-228600" algn="l" defTabSz="914400" rtl="0" eaLnBrk="1" latinLnBrk="0" hangingPunct="1">
-              <a:lnSpc>
-                <a:spcPct val="90000"/>
-              </a:lnSpc>
-              <a:spcBef>
-                <a:spcPts val="500"/>
-              </a:spcBef>
-              <a:buFont typeface="Arial" panose="020B0604020202020204" pitchFamily="34" charset="0"/>
-              <a:buChar char="•"/>
-              <a:defRPr kumimoji="1" sz="1400" kern="1200">
-                <a:solidFill>
-                  <a:schemeClr val="tx1"/>
-                </a:solidFill>
-                <a:latin typeface="Meiryo UI" panose="020B0604030504040204" pitchFamily="50" charset="-128"/>
-                <a:ea typeface="Meiryo UI" panose="020B0604030504040204" pitchFamily="50" charset="-128"/>
-                <a:cs typeface="+mn-cs"/>
-              </a:defRPr>
-            </a:lvl4pPr>
-            <a:lvl5pPr marL="2057400" indent="-228600" algn="l" defTabSz="914400" rtl="0" eaLnBrk="1" latinLnBrk="0" hangingPunct="1">
-              <a:lnSpc>
-                <a:spcPct val="90000"/>
-              </a:lnSpc>
-              <a:spcBef>
-                <a:spcPts val="500"/>
-              </a:spcBef>
-              <a:buFont typeface="Arial" panose="020B0604020202020204" pitchFamily="34" charset="0"/>
-              <a:buChar char="•"/>
-              <a:defRPr kumimoji="1" sz="1200" kern="1200">
-                <a:solidFill>
-                  <a:schemeClr val="tx1"/>
-                </a:solidFill>
-                <a:latin typeface="Meiryo UI" panose="020B0604030504040204" pitchFamily="50" charset="-128"/>
-                <a:ea typeface="Meiryo UI" panose="020B0604030504040204" pitchFamily="50" charset="-128"/>
-                <a:cs typeface="+mn-cs"/>
-              </a:defRPr>
-            </a:lvl5pPr>
-            <a:lvl6pPr marL="2514600" indent="-228600" algn="l" defTabSz="914400" rtl="0" eaLnBrk="1" latinLnBrk="0" hangingPunct="1">
-              <a:lnSpc>
-                <a:spcPct val="90000"/>
-              </a:lnSpc>
-              <a:spcBef>
-                <a:spcPts val="500"/>
-              </a:spcBef>
-              <a:buFont typeface="Arial" panose="020B0604020202020204" pitchFamily="34" charset="0"/>
-              <a:buChar char="•"/>
-              <a:defRPr kumimoji="1" sz="1800" kern="1200">
-                <a:solidFill>
-                  <a:schemeClr val="tx1"/>
-                </a:solidFill>
-                <a:latin typeface="+mn-lt"/>
-                <a:ea typeface="+mn-ea"/>
-                <a:cs typeface="+mn-cs"/>
-              </a:defRPr>
-            </a:lvl6pPr>
-            <a:lvl7pPr marL="2971800" indent="-228600" algn="l" defTabSz="914400" rtl="0" eaLnBrk="1" latinLnBrk="0" hangingPunct="1">
-              <a:lnSpc>
-                <a:spcPct val="90000"/>
-              </a:lnSpc>
-              <a:spcBef>
-                <a:spcPts val="500"/>
-              </a:spcBef>
-              <a:buFont typeface="Arial" panose="020B0604020202020204" pitchFamily="34" charset="0"/>
-              <a:buChar char="•"/>
-              <a:defRPr kumimoji="1" sz="1800" kern="1200">
-                <a:solidFill>
-                  <a:schemeClr val="tx1"/>
-                </a:solidFill>
-                <a:latin typeface="+mn-lt"/>
-                <a:ea typeface="+mn-ea"/>
-                <a:cs typeface="+mn-cs"/>
-              </a:defRPr>
-            </a:lvl7pPr>
-            <a:lvl8pPr marL="3429000" indent="-228600" algn="l" defTabSz="914400" rtl="0" eaLnBrk="1" latinLnBrk="0" hangingPunct="1">
-              <a:lnSpc>
-                <a:spcPct val="90000"/>
-              </a:lnSpc>
-              <a:spcBef>
-                <a:spcPts val="500"/>
-              </a:spcBef>
-              <a:buFont typeface="Arial" panose="020B0604020202020204" pitchFamily="34" charset="0"/>
-              <a:buChar char="•"/>
-              <a:defRPr kumimoji="1" sz="1800" kern="1200">
-                <a:solidFill>
-                  <a:schemeClr val="tx1"/>
-                </a:solidFill>
-                <a:latin typeface="+mn-lt"/>
-                <a:ea typeface="+mn-ea"/>
-                <a:cs typeface="+mn-cs"/>
-              </a:defRPr>
-            </a:lvl8pPr>
-            <a:lvl9pPr marL="3886200" indent="-228600" algn="l" defTabSz="914400" rtl="0" eaLnBrk="1" latinLnBrk="0" hangingPunct="1">
-              <a:lnSpc>
-                <a:spcPct val="90000"/>
-              </a:lnSpc>
-              <a:spcBef>
-                <a:spcPts val="500"/>
-              </a:spcBef>
-              <a:buFont typeface="Arial" panose="020B0604020202020204" pitchFamily="34" charset="0"/>
-              <a:buChar char="•"/>
-              <a:defRPr kumimoji="1" sz="1800" kern="1200">
-                <a:solidFill>
-                  <a:schemeClr val="tx1"/>
-                </a:solidFill>
-                <a:latin typeface="+mn-lt"/>
-                <a:ea typeface="+mn-ea"/>
-                <a:cs typeface="+mn-cs"/>
-              </a:defRPr>
-            </a:lvl9pPr>
-          </a:lstStyle>
-          <a:p>
-            <a:pPr marL="0" indent="0">
-              <a:buNone/>
-            </a:pPr>
-            <a:r>
-              <a:rPr lang="ja-JP" altLang="en-US" dirty="0"/>
-              <a:t>以下</a:t>
-            </a:r>
-            <a:r>
-              <a:rPr lang="ja-JP" altLang="en-US" dirty="0" smtClean="0"/>
-              <a:t>のファイルを書き換える。</a:t>
-            </a:r>
-            <a:endParaRPr lang="en-US" altLang="ja-JP" dirty="0" smtClean="0"/>
-          </a:p>
-        </p:txBody>
-      </p:sp>
-      <p:sp>
-        <p:nvSpPr>
-          <p:cNvPr id="16" name="正方形/長方形 15"/>
-          <p:cNvSpPr/>
-          <p:nvPr/>
-        </p:nvSpPr>
-        <p:spPr>
-          <a:xfrm>
-            <a:off x="555218" y="2285031"/>
-            <a:ext cx="6806477" cy="4177762"/>
-          </a:xfrm>
-          <a:prstGeom prst="rect">
-            <a:avLst/>
-          </a:prstGeom>
-          <a:solidFill>
-            <a:schemeClr val="tx2">
-              <a:lumMod val="75000"/>
-            </a:schemeClr>
-          </a:solidFill>
-          <a:ln>
-            <a:solidFill>
-              <a:schemeClr val="bg2">
-                <a:lumMod val="25000"/>
-              </a:schemeClr>
-            </a:solidFill>
-          </a:ln>
-        </p:spPr>
-        <p:style>
-          <a:lnRef idx="2">
-            <a:schemeClr val="accent1">
-              <a:shade val="50000"/>
-            </a:schemeClr>
-          </a:lnRef>
-          <a:fillRef idx="1">
-            <a:schemeClr val="accent1"/>
-          </a:fillRef>
-          <a:effectRef idx="0">
-            <a:schemeClr val="accent1"/>
-          </a:effectRef>
-          <a:fontRef idx="minor">
-            <a:schemeClr val="lt1"/>
-          </a:fontRef>
-        </p:style>
-        <p:txBody>
-          <a:bodyPr rtlCol="0" anchor="t"/>
-          <a:lstStyle/>
-          <a:p>
-            <a:pPr>
-              <a:buClr>
-                <a:schemeClr val="bg1"/>
-              </a:buClr>
-            </a:pPr>
-            <a:r>
-              <a:rPr lang="en-US" altLang="ja-JP" sz="1400" dirty="0" smtClean="0"/>
-              <a:t>tutorial/</a:t>
-            </a:r>
-            <a:r>
-              <a:rPr lang="en-US" altLang="ja-JP" sz="1400" dirty="0" err="1" smtClean="0"/>
-              <a:t>src</a:t>
-            </a:r>
-            <a:r>
-              <a:rPr lang="en-US" altLang="ja-JP" sz="1400" dirty="0" smtClean="0"/>
-              <a:t>/index.js</a:t>
-            </a:r>
-          </a:p>
-          <a:p>
-            <a:pPr>
-              <a:buClr>
-                <a:schemeClr val="bg1"/>
-              </a:buClr>
-            </a:pPr>
-            <a:endParaRPr lang="en-US" altLang="ja-JP" sz="1400" dirty="0">
-              <a:solidFill>
-                <a:schemeClr val="bg1"/>
-              </a:solidFill>
-            </a:endParaRPr>
-          </a:p>
-          <a:p>
-            <a:pPr>
-              <a:buClr>
-                <a:schemeClr val="bg1"/>
-              </a:buClr>
-            </a:pPr>
-            <a:r>
-              <a:rPr lang="en-US" altLang="ja-JP" sz="1400" dirty="0">
-                <a:solidFill>
-                  <a:schemeClr val="bg1"/>
-                </a:solidFill>
-              </a:rPr>
-              <a:t>import React from 'react';</a:t>
-            </a:r>
-          </a:p>
-          <a:p>
-            <a:pPr>
-              <a:buClr>
-                <a:schemeClr val="bg1"/>
-              </a:buClr>
-            </a:pPr>
-            <a:r>
-              <a:rPr lang="en-US" altLang="ja-JP" sz="1400" dirty="0">
-                <a:solidFill>
-                  <a:schemeClr val="bg1"/>
-                </a:solidFill>
-              </a:rPr>
-              <a:t>import </a:t>
-            </a:r>
-            <a:r>
-              <a:rPr lang="en-US" altLang="ja-JP" sz="1400" dirty="0" err="1">
-                <a:solidFill>
-                  <a:schemeClr val="bg1"/>
-                </a:solidFill>
-              </a:rPr>
-              <a:t>ReactDOM</a:t>
-            </a:r>
-            <a:r>
-              <a:rPr lang="en-US" altLang="ja-JP" sz="1400" dirty="0">
-                <a:solidFill>
-                  <a:schemeClr val="bg1"/>
-                </a:solidFill>
-              </a:rPr>
-              <a:t> from 'react-</a:t>
-            </a:r>
-            <a:r>
-              <a:rPr lang="en-US" altLang="ja-JP" sz="1400" dirty="0" err="1">
-                <a:solidFill>
-                  <a:schemeClr val="bg1"/>
-                </a:solidFill>
-              </a:rPr>
-              <a:t>dom</a:t>
-            </a:r>
-            <a:r>
-              <a:rPr lang="en-US" altLang="ja-JP" sz="1400" dirty="0">
-                <a:solidFill>
-                  <a:schemeClr val="bg1"/>
-                </a:solidFill>
-              </a:rPr>
-              <a:t>';</a:t>
-            </a:r>
-          </a:p>
-          <a:p>
-            <a:pPr>
-              <a:buClr>
-                <a:schemeClr val="bg1"/>
-              </a:buClr>
-            </a:pPr>
-            <a:r>
-              <a:rPr lang="en-US" altLang="ja-JP" sz="1400" dirty="0">
-                <a:solidFill>
-                  <a:schemeClr val="bg1"/>
-                </a:solidFill>
-              </a:rPr>
-              <a:t>import './index.css';</a:t>
-            </a:r>
-          </a:p>
-          <a:p>
-            <a:pPr>
-              <a:buClr>
-                <a:schemeClr val="bg1"/>
-              </a:buClr>
-            </a:pPr>
-            <a:r>
-              <a:rPr lang="en-US" altLang="ja-JP" sz="1400" dirty="0">
-                <a:solidFill>
-                  <a:schemeClr val="bg1"/>
-                </a:solidFill>
-              </a:rPr>
-              <a:t>import App from './App';</a:t>
-            </a:r>
-          </a:p>
-          <a:p>
-            <a:pPr>
-              <a:buClr>
-                <a:schemeClr val="bg1"/>
-              </a:buClr>
-            </a:pPr>
-            <a:r>
-              <a:rPr lang="en-US" altLang="ja-JP" sz="1400" dirty="0">
-                <a:solidFill>
-                  <a:schemeClr val="bg1"/>
-                </a:solidFill>
-              </a:rPr>
-              <a:t>import </a:t>
-            </a:r>
-            <a:r>
-              <a:rPr lang="en-US" altLang="ja-JP" sz="1400" dirty="0" err="1">
-                <a:solidFill>
-                  <a:schemeClr val="bg1"/>
-                </a:solidFill>
-              </a:rPr>
-              <a:t>registerServiceWorker</a:t>
-            </a:r>
-            <a:r>
-              <a:rPr lang="en-US" altLang="ja-JP" sz="1400" dirty="0">
-                <a:solidFill>
-                  <a:schemeClr val="bg1"/>
-                </a:solidFill>
-              </a:rPr>
-              <a:t> from './</a:t>
-            </a:r>
-            <a:r>
-              <a:rPr lang="en-US" altLang="ja-JP" sz="1400" dirty="0" err="1">
-                <a:solidFill>
-                  <a:schemeClr val="bg1"/>
-                </a:solidFill>
-              </a:rPr>
-              <a:t>registerServiceWorker</a:t>
-            </a:r>
-            <a:r>
-              <a:rPr lang="en-US" altLang="ja-JP" sz="1400" dirty="0">
-                <a:solidFill>
-                  <a:schemeClr val="bg1"/>
-                </a:solidFill>
-              </a:rPr>
-              <a:t>';</a:t>
-            </a:r>
-          </a:p>
-          <a:p>
-            <a:pPr>
-              <a:buClr>
-                <a:schemeClr val="bg1"/>
-              </a:buClr>
-            </a:pPr>
-            <a:endParaRPr lang="en-US" altLang="ja-JP" sz="1400" dirty="0">
-              <a:solidFill>
-                <a:schemeClr val="bg1"/>
-              </a:solidFill>
-            </a:endParaRPr>
-          </a:p>
-          <a:p>
-            <a:pPr>
-              <a:buClr>
-                <a:schemeClr val="bg1"/>
-              </a:buClr>
-            </a:pPr>
-            <a:r>
-              <a:rPr lang="en-US" altLang="ja-JP" sz="1400" dirty="0" err="1">
-                <a:solidFill>
-                  <a:schemeClr val="bg1"/>
-                </a:solidFill>
-              </a:rPr>
-              <a:t>const</a:t>
-            </a:r>
-            <a:r>
-              <a:rPr lang="en-US" altLang="ja-JP" sz="1400" dirty="0">
-                <a:solidFill>
-                  <a:schemeClr val="bg1"/>
-                </a:solidFill>
-              </a:rPr>
-              <a:t> </a:t>
-            </a:r>
-            <a:r>
-              <a:rPr lang="en-US" altLang="ja-JP" sz="1400" dirty="0" err="1">
-                <a:solidFill>
-                  <a:schemeClr val="bg1"/>
-                </a:solidFill>
-              </a:rPr>
-              <a:t>startApp</a:t>
-            </a:r>
-            <a:r>
-              <a:rPr lang="en-US" altLang="ja-JP" sz="1400" dirty="0">
-                <a:solidFill>
-                  <a:schemeClr val="bg1"/>
-                </a:solidFill>
-              </a:rPr>
-              <a:t> = () =&gt; {</a:t>
-            </a:r>
-          </a:p>
-          <a:p>
-            <a:pPr>
-              <a:buClr>
-                <a:schemeClr val="bg1"/>
-              </a:buClr>
-            </a:pPr>
-            <a:r>
-              <a:rPr lang="en-US" altLang="ja-JP" sz="1400" dirty="0">
-                <a:solidFill>
-                  <a:schemeClr val="bg1"/>
-                </a:solidFill>
-              </a:rPr>
-              <a:t>  </a:t>
-            </a:r>
-            <a:r>
-              <a:rPr lang="en-US" altLang="ja-JP" sz="1400" dirty="0" err="1">
-                <a:solidFill>
-                  <a:schemeClr val="bg1"/>
-                </a:solidFill>
-              </a:rPr>
-              <a:t>ReactDOM.render</a:t>
-            </a:r>
-            <a:r>
-              <a:rPr lang="en-US" altLang="ja-JP" sz="1400" dirty="0">
-                <a:solidFill>
-                  <a:schemeClr val="bg1"/>
-                </a:solidFill>
-              </a:rPr>
-              <a:t>(&lt;App /&gt;, </a:t>
-            </a:r>
-            <a:r>
-              <a:rPr lang="en-US" altLang="ja-JP" sz="1400" dirty="0" err="1">
-                <a:solidFill>
-                  <a:schemeClr val="bg1"/>
-                </a:solidFill>
-              </a:rPr>
-              <a:t>document.getElementById</a:t>
-            </a:r>
-            <a:r>
-              <a:rPr lang="en-US" altLang="ja-JP" sz="1400" dirty="0">
-                <a:solidFill>
-                  <a:schemeClr val="bg1"/>
-                </a:solidFill>
-              </a:rPr>
-              <a:t>('root'));</a:t>
-            </a:r>
-          </a:p>
-          <a:p>
-            <a:pPr>
-              <a:buClr>
-                <a:schemeClr val="bg1"/>
-              </a:buClr>
-            </a:pPr>
-            <a:r>
-              <a:rPr lang="en-US" altLang="ja-JP" sz="1400" dirty="0">
-                <a:solidFill>
-                  <a:schemeClr val="bg1"/>
-                </a:solidFill>
-              </a:rPr>
-              <a:t>  </a:t>
-            </a:r>
-            <a:r>
-              <a:rPr lang="en-US" altLang="ja-JP" sz="1400" dirty="0" err="1">
-                <a:solidFill>
-                  <a:schemeClr val="bg1"/>
-                </a:solidFill>
-              </a:rPr>
-              <a:t>registerServiceWorker</a:t>
-            </a:r>
-            <a:r>
-              <a:rPr lang="en-US" altLang="ja-JP" sz="1400" dirty="0">
-                <a:solidFill>
-                  <a:schemeClr val="bg1"/>
-                </a:solidFill>
-              </a:rPr>
-              <a:t>();</a:t>
-            </a:r>
-          </a:p>
-          <a:p>
-            <a:pPr>
-              <a:buClr>
-                <a:schemeClr val="bg1"/>
-              </a:buClr>
-            </a:pPr>
-            <a:r>
-              <a:rPr lang="en-US" altLang="ja-JP" sz="1400" dirty="0">
-                <a:solidFill>
-                  <a:schemeClr val="bg1"/>
-                </a:solidFill>
-              </a:rPr>
-              <a:t>};</a:t>
-            </a:r>
-          </a:p>
-          <a:p>
-            <a:pPr>
-              <a:buClr>
-                <a:schemeClr val="bg1"/>
-              </a:buClr>
-            </a:pPr>
-            <a:endParaRPr lang="en-US" altLang="ja-JP" sz="1400" dirty="0">
-              <a:solidFill>
-                <a:schemeClr val="bg1"/>
-              </a:solidFill>
-            </a:endParaRPr>
-          </a:p>
-          <a:p>
-            <a:pPr>
-              <a:buClr>
-                <a:schemeClr val="bg1"/>
-              </a:buClr>
-            </a:pPr>
-            <a:r>
-              <a:rPr lang="en-US" altLang="ja-JP" sz="1400" dirty="0">
-                <a:solidFill>
-                  <a:schemeClr val="bg1"/>
-                </a:solidFill>
-              </a:rPr>
-              <a:t>if(</a:t>
-            </a:r>
-            <a:r>
-              <a:rPr lang="en-US" altLang="ja-JP" sz="1400" dirty="0" err="1">
-                <a:solidFill>
-                  <a:schemeClr val="bg1"/>
-                </a:solidFill>
-              </a:rPr>
-              <a:t>window.cordova</a:t>
-            </a:r>
-            <a:r>
-              <a:rPr lang="en-US" altLang="ja-JP" sz="1400" dirty="0">
-                <a:solidFill>
-                  <a:schemeClr val="bg1"/>
-                </a:solidFill>
-              </a:rPr>
-              <a:t>) {</a:t>
-            </a:r>
-          </a:p>
-          <a:p>
-            <a:pPr>
-              <a:buClr>
-                <a:schemeClr val="bg1"/>
-              </a:buClr>
-            </a:pPr>
-            <a:r>
-              <a:rPr lang="en-US" altLang="ja-JP" sz="1400" dirty="0">
-                <a:solidFill>
-                  <a:schemeClr val="bg1"/>
-                </a:solidFill>
-              </a:rPr>
-              <a:t>  </a:t>
-            </a:r>
-            <a:r>
-              <a:rPr lang="en-US" altLang="ja-JP" sz="1400" dirty="0" err="1">
-                <a:solidFill>
-                  <a:schemeClr val="bg1"/>
-                </a:solidFill>
-              </a:rPr>
-              <a:t>document.addEventListener</a:t>
-            </a:r>
-            <a:r>
-              <a:rPr lang="en-US" altLang="ja-JP" sz="1400" dirty="0">
-                <a:solidFill>
-                  <a:schemeClr val="bg1"/>
-                </a:solidFill>
-              </a:rPr>
-              <a:t>('</a:t>
-            </a:r>
-            <a:r>
-              <a:rPr lang="en-US" altLang="ja-JP" sz="1400" dirty="0" err="1">
-                <a:solidFill>
-                  <a:schemeClr val="bg1"/>
-                </a:solidFill>
-              </a:rPr>
-              <a:t>deviceready</a:t>
-            </a:r>
-            <a:r>
-              <a:rPr lang="en-US" altLang="ja-JP" sz="1400" dirty="0">
-                <a:solidFill>
-                  <a:schemeClr val="bg1"/>
-                </a:solidFill>
-              </a:rPr>
-              <a:t>', </a:t>
-            </a:r>
-            <a:r>
-              <a:rPr lang="en-US" altLang="ja-JP" sz="1400" dirty="0" err="1">
-                <a:solidFill>
-                  <a:schemeClr val="bg1"/>
-                </a:solidFill>
-              </a:rPr>
-              <a:t>startApp</a:t>
-            </a:r>
-            <a:r>
-              <a:rPr lang="en-US" altLang="ja-JP" sz="1400" dirty="0">
-                <a:solidFill>
-                  <a:schemeClr val="bg1"/>
-                </a:solidFill>
-              </a:rPr>
-              <a:t>, false);</a:t>
-            </a:r>
-          </a:p>
-          <a:p>
-            <a:pPr>
-              <a:buClr>
-                <a:schemeClr val="bg1"/>
-              </a:buClr>
-            </a:pPr>
-            <a:r>
-              <a:rPr lang="en-US" altLang="ja-JP" sz="1400" dirty="0">
-                <a:solidFill>
-                  <a:schemeClr val="bg1"/>
-                </a:solidFill>
-              </a:rPr>
-              <a:t>} else {</a:t>
-            </a:r>
-          </a:p>
-          <a:p>
-            <a:pPr>
-              <a:buClr>
-                <a:schemeClr val="bg1"/>
-              </a:buClr>
-            </a:pPr>
-            <a:r>
-              <a:rPr lang="en-US" altLang="ja-JP" sz="1400" dirty="0">
-                <a:solidFill>
-                  <a:schemeClr val="bg1"/>
-                </a:solidFill>
-              </a:rPr>
-              <a:t>  </a:t>
-            </a:r>
-            <a:r>
-              <a:rPr lang="en-US" altLang="ja-JP" sz="1400" dirty="0" err="1">
-                <a:solidFill>
-                  <a:schemeClr val="bg1"/>
-                </a:solidFill>
-              </a:rPr>
-              <a:t>startApp</a:t>
-            </a:r>
-            <a:r>
-              <a:rPr lang="en-US" altLang="ja-JP" sz="1400" dirty="0">
-                <a:solidFill>
-                  <a:schemeClr val="bg1"/>
-                </a:solidFill>
-              </a:rPr>
-              <a:t>();</a:t>
-            </a:r>
-          </a:p>
-          <a:p>
-            <a:pPr>
-              <a:buClr>
-                <a:schemeClr val="bg1"/>
-              </a:buClr>
-            </a:pPr>
-            <a:r>
-              <a:rPr lang="en-US" altLang="ja-JP" sz="1400" dirty="0">
-                <a:solidFill>
-                  <a:schemeClr val="bg1"/>
-                </a:solidFill>
-              </a:rPr>
-              <a:t>}</a:t>
-            </a:r>
-          </a:p>
-          <a:p>
-            <a:pPr>
-              <a:buClr>
-                <a:schemeClr val="bg1"/>
-              </a:buClr>
-            </a:pPr>
-            <a:endParaRPr lang="ja-JP" altLang="en-US" sz="1400" dirty="0">
-              <a:solidFill>
-                <a:schemeClr val="bg1"/>
-              </a:solidFill>
-            </a:endParaRPr>
-          </a:p>
-        </p:txBody>
-      </p:sp>
-      <p:sp>
-        <p:nvSpPr>
-          <p:cNvPr id="3" name="タイトル 2"/>
-          <p:cNvSpPr>
-            <a:spLocks noGrp="1"/>
-          </p:cNvSpPr>
-          <p:nvPr>
-            <p:ph type="title"/>
-          </p:nvPr>
-        </p:nvSpPr>
-        <p:spPr/>
-        <p:txBody>
-          <a:bodyPr/>
-          <a:lstStyle/>
-          <a:p>
-            <a:r>
-              <a:rPr lang="en-US" altLang="ja-JP" dirty="0" smtClean="0"/>
-              <a:t>2-4.React</a:t>
-            </a:r>
-            <a:r>
-              <a:rPr lang="ja-JP" altLang="en-US" dirty="0"/>
-              <a:t>の開発環境構築 </a:t>
-            </a:r>
-            <a:r>
-              <a:rPr lang="en-US" altLang="ja-JP" dirty="0"/>
-              <a:t>–</a:t>
-            </a:r>
-            <a:r>
-              <a:rPr lang="ja-JP" altLang="en-US" dirty="0"/>
-              <a:t>プロジェクトの</a:t>
-            </a:r>
-            <a:r>
-              <a:rPr lang="ja-JP" altLang="en-US" dirty="0" smtClean="0"/>
-              <a:t>作成⑤</a:t>
-            </a:r>
-            <a:endParaRPr kumimoji="1" lang="ja-JP" altLang="en-US" dirty="0"/>
-          </a:p>
-        </p:txBody>
-      </p:sp>
-    </p:spTree>
-    <p:extLst>
-      <p:ext uri="{BB962C8B-B14F-4D97-AF65-F5344CB8AC3E}">
-        <p14:creationId xmlns:p14="http://schemas.microsoft.com/office/powerpoint/2010/main" val="1315686463"/>
+        <p14:creationId xmlns:p14="http://schemas.microsoft.com/office/powerpoint/2010/main" val="2583661018"/>
       </p:ext>
     </p:extLst>
   </p:cSld>
